--- a/powerpoint/6_assembly.pptx
+++ b/powerpoint/6_assembly.pptx
@@ -41,7 +41,8 @@
     <p:sldId id="338" r:id="rId35"/>
     <p:sldId id="340" r:id="rId36"/>
     <p:sldId id="341" r:id="rId37"/>
-    <p:sldId id="364" r:id="rId38"/>
+    <p:sldId id="368" r:id="rId38"/>
+    <p:sldId id="364" r:id="rId39"/>
   </p:sldIdLst>
   <p:sldSz cx="12192000" cy="6858000"/>
   <p:notesSz cx="6858000" cy="9144000"/>
@@ -297,7 +298,7 @@
           <a:p>
             <a:fld id="{D5B3EF36-47C2-4AA3-A387-F39AC0889363}" type="datetimeFigureOut">
               <a:rPr lang="en-GB" smtClean="0"/>
-              <a:t>22/02/2021</a:t>
+              <a:t>01/03/2021</a:t>
             </a:fld>
             <a:endParaRPr lang="en-GB"/>
           </a:p>
@@ -497,7 +498,7 @@
           <a:p>
             <a:fld id="{D5B3EF36-47C2-4AA3-A387-F39AC0889363}" type="datetimeFigureOut">
               <a:rPr lang="en-GB" smtClean="0"/>
-              <a:t>22/02/2021</a:t>
+              <a:t>01/03/2021</a:t>
             </a:fld>
             <a:endParaRPr lang="en-GB"/>
           </a:p>
@@ -707,7 +708,7 @@
           <a:p>
             <a:fld id="{D5B3EF36-47C2-4AA3-A387-F39AC0889363}" type="datetimeFigureOut">
               <a:rPr lang="en-GB" smtClean="0"/>
-              <a:t>22/02/2021</a:t>
+              <a:t>01/03/2021</a:t>
             </a:fld>
             <a:endParaRPr lang="en-GB"/>
           </a:p>
@@ -907,7 +908,7 @@
           <a:p>
             <a:fld id="{D5B3EF36-47C2-4AA3-A387-F39AC0889363}" type="datetimeFigureOut">
               <a:rPr lang="en-GB" smtClean="0"/>
-              <a:t>22/02/2021</a:t>
+              <a:t>01/03/2021</a:t>
             </a:fld>
             <a:endParaRPr lang="en-GB"/>
           </a:p>
@@ -1183,7 +1184,7 @@
           <a:p>
             <a:fld id="{D5B3EF36-47C2-4AA3-A387-F39AC0889363}" type="datetimeFigureOut">
               <a:rPr lang="en-GB" smtClean="0"/>
-              <a:t>22/02/2021</a:t>
+              <a:t>01/03/2021</a:t>
             </a:fld>
             <a:endParaRPr lang="en-GB"/>
           </a:p>
@@ -1451,7 +1452,7 @@
           <a:p>
             <a:fld id="{D5B3EF36-47C2-4AA3-A387-F39AC0889363}" type="datetimeFigureOut">
               <a:rPr lang="en-GB" smtClean="0"/>
-              <a:t>22/02/2021</a:t>
+              <a:t>01/03/2021</a:t>
             </a:fld>
             <a:endParaRPr lang="en-GB"/>
           </a:p>
@@ -1866,7 +1867,7 @@
           <a:p>
             <a:fld id="{D5B3EF36-47C2-4AA3-A387-F39AC0889363}" type="datetimeFigureOut">
               <a:rPr lang="en-GB" smtClean="0"/>
-              <a:t>22/02/2021</a:t>
+              <a:t>01/03/2021</a:t>
             </a:fld>
             <a:endParaRPr lang="en-GB"/>
           </a:p>
@@ -2008,7 +2009,7 @@
           <a:p>
             <a:fld id="{D5B3EF36-47C2-4AA3-A387-F39AC0889363}" type="datetimeFigureOut">
               <a:rPr lang="en-GB" smtClean="0"/>
-              <a:t>22/02/2021</a:t>
+              <a:t>01/03/2021</a:t>
             </a:fld>
             <a:endParaRPr lang="en-GB"/>
           </a:p>
@@ -2121,7 +2122,7 @@
           <a:p>
             <a:fld id="{D5B3EF36-47C2-4AA3-A387-F39AC0889363}" type="datetimeFigureOut">
               <a:rPr lang="en-GB" smtClean="0"/>
-              <a:t>22/02/2021</a:t>
+              <a:t>01/03/2021</a:t>
             </a:fld>
             <a:endParaRPr lang="en-GB"/>
           </a:p>
@@ -2434,7 +2435,7 @@
           <a:p>
             <a:fld id="{D5B3EF36-47C2-4AA3-A387-F39AC0889363}" type="datetimeFigureOut">
               <a:rPr lang="en-GB" smtClean="0"/>
-              <a:t>22/02/2021</a:t>
+              <a:t>01/03/2021</a:t>
             </a:fld>
             <a:endParaRPr lang="en-GB"/>
           </a:p>
@@ -2723,7 +2724,7 @@
           <a:p>
             <a:fld id="{D5B3EF36-47C2-4AA3-A387-F39AC0889363}" type="datetimeFigureOut">
               <a:rPr lang="en-GB" smtClean="0"/>
-              <a:t>22/02/2021</a:t>
+              <a:t>01/03/2021</a:t>
             </a:fld>
             <a:endParaRPr lang="en-GB"/>
           </a:p>
@@ -2966,7 +2967,7 @@
           <a:p>
             <a:fld id="{D5B3EF36-47C2-4AA3-A387-F39AC0889363}" type="datetimeFigureOut">
               <a:rPr lang="en-GB" smtClean="0"/>
-              <a:t>22/02/2021</a:t>
+              <a:t>01/03/2021</a:t>
             </a:fld>
             <a:endParaRPr lang="en-GB"/>
           </a:p>
@@ -10122,15 +10123,7 @@
           <a:p>
             <a:r>
               <a:rPr lang="en-GB" dirty="0"/>
-              <a:t>Original genome		million of fragments (error removed </a:t>
-            </a:r>
-            <a:r>
-              <a:rPr lang="en-GB" dirty="0" err="1"/>
-              <a:t>ar</a:t>
-            </a:r>
-            <a:r>
-              <a:rPr lang="en-GB" dirty="0"/>
-              <a:t> Q15)		complex jigsaw puzzle</a:t>
+              <a:t>Original genome		million of fragments (error removed at Q15)		complex jigsaw puzzle</a:t>
             </a:r>
           </a:p>
         </p:txBody>
@@ -10765,6 +10758,53 @@
                 <a:srgbClr val="FFFF00"/>
               </a:highlight>
             </a:endParaRPr>
+          </a:p>
+        </p:txBody>
+      </p:sp>
+      <p:sp>
+        <p:nvSpPr>
+          <p:cNvPr id="3" name="Rectangle 2">
+            <a:extLst>
+              <a:ext uri="{FF2B5EF4-FFF2-40B4-BE49-F238E27FC236}">
+                <a16:creationId xmlns:a16="http://schemas.microsoft.com/office/drawing/2014/main" id="{1DCCFA58-2F3B-428C-8671-3C0FB3A68021}"/>
+              </a:ext>
+            </a:extLst>
+          </p:cNvPr>
+          <p:cNvSpPr/>
+          <p:nvPr/>
+        </p:nvSpPr>
+        <p:spPr>
+          <a:xfrm>
+            <a:off x="2616200" y="1229519"/>
+            <a:ext cx="4929819" cy="2866147"/>
+          </a:xfrm>
+          <a:prstGeom prst="rect">
+            <a:avLst/>
+          </a:prstGeom>
+          <a:noFill/>
+        </p:spPr>
+        <p:style>
+          <a:lnRef idx="2">
+            <a:schemeClr val="accent1">
+              <a:shade val="50000"/>
+            </a:schemeClr>
+          </a:lnRef>
+          <a:fillRef idx="1">
+            <a:schemeClr val="accent1"/>
+          </a:fillRef>
+          <a:effectRef idx="0">
+            <a:schemeClr val="accent1"/>
+          </a:effectRef>
+          <a:fontRef idx="minor">
+            <a:schemeClr val="lt1"/>
+          </a:fontRef>
+        </p:style>
+        <p:txBody>
+          <a:bodyPr rtlCol="0" anchor="ctr"/>
+          <a:lstStyle/>
+          <a:p>
+            <a:pPr algn="ctr"/>
+            <a:endParaRPr lang="en-GB" dirty="0"/>
           </a:p>
         </p:txBody>
       </p:sp>
@@ -11974,12 +12014,6 @@
           <a:p>
             <a:r>
               <a:rPr lang="en-GB" dirty="0"/>
-              <a:t>(note: that is the answer to a question in the assessment!)</a:t>
-            </a:r>
-          </a:p>
-          <a:p>
-            <a:r>
-              <a:rPr lang="en-GB" dirty="0"/>
               <a:t>If you wish to change the </a:t>
             </a:r>
             <a:r>
@@ -13110,7 +13144,7 @@
             </a:r>
             <a:r>
               <a:rPr lang="en-GB" dirty="0"/>
-              <a:t> (split the sequence into </a:t>
+              <a:t> (“split the sequence” into “</a:t>
             </a:r>
             <a:r>
               <a:rPr lang="en-GB" dirty="0" err="1"/>
@@ -13118,7 +13152,16 @@
             </a:r>
             <a:r>
               <a:rPr lang="en-GB" dirty="0"/>
-              <a:t> chunks):</a:t>
+              <a:t>” chunks):</a:t>
+            </a:r>
+          </a:p>
+          <a:p>
+            <a:pPr marL="0" indent="0">
+              <a:buNone/>
+            </a:pPr>
+            <a:r>
+              <a:rPr lang="en-GB" dirty="0"/>
+              <a:t>There is an extra presentation here explaining this more and lots of resources online. We will not dwell on this due to time limitations. </a:t>
             </a:r>
           </a:p>
         </p:txBody>
@@ -13202,8 +13245,8 @@
         </p:blipFill>
         <p:spPr bwMode="auto">
           <a:xfrm>
-            <a:off x="1596762" y="2053618"/>
-            <a:ext cx="8236476" cy="4530062"/>
+            <a:off x="2040646" y="2893233"/>
+            <a:ext cx="7208667" cy="3964767"/>
           </a:xfrm>
           <a:prstGeom prst="rect">
             <a:avLst/>
@@ -13643,6 +13686,45 @@
           </a:p>
         </p:txBody>
       </p:sp>
+      <p:cxnSp>
+        <p:nvCxnSpPr>
+          <p:cNvPr id="7" name="Straight Arrow Connector 6">
+            <a:extLst>
+              <a:ext uri="{FF2B5EF4-FFF2-40B4-BE49-F238E27FC236}">
+                <a16:creationId xmlns:a16="http://schemas.microsoft.com/office/drawing/2014/main" id="{53B77B7E-C721-44DD-8EAB-7A5E8955E0BC}"/>
+              </a:ext>
+            </a:extLst>
+          </p:cNvPr>
+          <p:cNvCxnSpPr/>
+          <p:nvPr/>
+        </p:nvCxnSpPr>
+        <p:spPr>
+          <a:xfrm flipH="1">
+            <a:off x="3320249" y="2237173"/>
+            <a:ext cx="213064" cy="896644"/>
+          </a:xfrm>
+          <a:prstGeom prst="straightConnector1">
+            <a:avLst/>
+          </a:prstGeom>
+          <a:ln>
+            <a:tailEnd type="triangle"/>
+          </a:ln>
+        </p:spPr>
+        <p:style>
+          <a:lnRef idx="1">
+            <a:schemeClr val="accent1"/>
+          </a:lnRef>
+          <a:fillRef idx="0">
+            <a:schemeClr val="accent1"/>
+          </a:fillRef>
+          <a:effectRef idx="0">
+            <a:schemeClr val="accent1"/>
+          </a:effectRef>
+          <a:fontRef idx="minor">
+            <a:schemeClr val="tx1"/>
+          </a:fontRef>
+        </p:style>
+      </p:cxnSp>
     </p:spTree>
     <p:extLst>
       <p:ext uri="{BB962C8B-B14F-4D97-AF65-F5344CB8AC3E}">
@@ -14496,12 +14578,12 @@
               <a:t>/shell_scripts/scaffold_stats.pl -f $HOME/</a:t>
             </a:r>
             <a:r>
-              <a:rPr lang="en-GB" sz="2200" dirty="0" err="1">
+              <a:rPr lang="en-GB" sz="2000" dirty="0" err="1">
                 <a:solidFill>
-                  <a:srgbClr val="0070C0"/>
+                  <a:srgbClr val="FF0000"/>
                 </a:solidFill>
               </a:rPr>
-              <a:t>genome_assembly_workshop</a:t>
+              <a:t>Msc_Digital_Health</a:t>
             </a:r>
             <a:r>
               <a:rPr lang="en-GB" sz="2200" dirty="0">
@@ -14630,10 +14712,10 @@
             <a:r>
               <a:rPr lang="en-GB" sz="2000" dirty="0" err="1">
                 <a:solidFill>
-                  <a:srgbClr val="0070C0"/>
+                  <a:srgbClr val="FF0000"/>
                 </a:solidFill>
               </a:rPr>
-              <a:t>genome_assembly_workshop</a:t>
+              <a:t>Msc_Digital_Health</a:t>
             </a:r>
             <a:r>
               <a:rPr lang="en-GB" sz="2000" dirty="0">
@@ -14657,15 +14739,15 @@
                   <a:srgbClr val="0070C0"/>
                 </a:solidFill>
               </a:rPr>
-              <a:t> $HOME/</a:t>
+              <a:t>  $HOME/</a:t>
             </a:r>
             <a:r>
               <a:rPr lang="en-GB" sz="2000" dirty="0" err="1">
                 <a:solidFill>
-                  <a:srgbClr val="0070C0"/>
+                  <a:srgbClr val="FF0000"/>
                 </a:solidFill>
               </a:rPr>
-              <a:t>genome_assembly_workshop</a:t>
+              <a:t>Msc_Digital_Health</a:t>
             </a:r>
             <a:r>
               <a:rPr lang="en-GB" sz="2000" dirty="0">
@@ -14809,6 +14891,53 @@
                 <a:srgbClr val="FFFF00"/>
               </a:highlight>
             </a:endParaRPr>
+          </a:p>
+        </p:txBody>
+      </p:sp>
+      <p:sp>
+        <p:nvSpPr>
+          <p:cNvPr id="5" name="Rectangle 4">
+            <a:extLst>
+              <a:ext uri="{FF2B5EF4-FFF2-40B4-BE49-F238E27FC236}">
+                <a16:creationId xmlns:a16="http://schemas.microsoft.com/office/drawing/2014/main" id="{3A3A61C8-F3BC-4EB6-B7CB-58232F37BFFC}"/>
+              </a:ext>
+            </a:extLst>
+          </p:cNvPr>
+          <p:cNvSpPr/>
+          <p:nvPr/>
+        </p:nvSpPr>
+        <p:spPr>
+          <a:xfrm>
+            <a:off x="497150" y="3719744"/>
+            <a:ext cx="10466772" cy="1029809"/>
+          </a:xfrm>
+          <a:prstGeom prst="rect">
+            <a:avLst/>
+          </a:prstGeom>
+          <a:noFill/>
+        </p:spPr>
+        <p:style>
+          <a:lnRef idx="2">
+            <a:schemeClr val="accent1">
+              <a:shade val="50000"/>
+            </a:schemeClr>
+          </a:lnRef>
+          <a:fillRef idx="1">
+            <a:schemeClr val="accent1"/>
+          </a:fillRef>
+          <a:effectRef idx="0">
+            <a:schemeClr val="accent1"/>
+          </a:effectRef>
+          <a:fontRef idx="minor">
+            <a:schemeClr val="lt1"/>
+          </a:fontRef>
+        </p:style>
+        <p:txBody>
+          <a:bodyPr rtlCol="0" anchor="ctr"/>
+          <a:lstStyle/>
+          <a:p>
+            <a:pPr algn="ctr"/>
+            <a:endParaRPr lang="en-GB"/>
           </a:p>
         </p:txBody>
       </p:sp>
@@ -14875,7 +15004,7 @@
                   <a:srgbClr val="7030A0"/>
                 </a:solidFill>
               </a:rPr>
-              <a:t>6) assembly: output format (fasta)</a:t>
+              <a:t>6) assembly: output format (fasta, fa)</a:t>
             </a:r>
           </a:p>
         </p:txBody>
@@ -14904,7 +15033,7 @@
         </p:spPr>
         <p:txBody>
           <a:bodyPr>
-            <a:normAutofit/>
+            <a:normAutofit lnSpcReduction="10000"/>
           </a:bodyPr>
           <a:lstStyle/>
           <a:p>
@@ -15035,7 +15164,7 @@
             </a:pPr>
             <a:r>
               <a:rPr lang="en-GB" sz="1700" dirty="0"/>
-              <a:t>Each &gt; is a new contig. There can be many </a:t>
+              <a:t>Each &gt; is a new contig (assembled fragment). There can be many </a:t>
             </a:r>
             <a:r>
               <a:rPr lang="en-GB" sz="1700" dirty="0" err="1"/>
@@ -15061,7 +15190,15 @@
           <a:p>
             <a:r>
               <a:rPr lang="en-GB" sz="1700" dirty="0"/>
-              <a:t>Scaffolds are collections of 2 or more contigs separated by NNNs. </a:t>
+              <a:t>Scaffolds are collections of 2 or more contigs separated by NNNs, but the </a:t>
+            </a:r>
+            <a:r>
+              <a:rPr lang="en-GB" sz="1700" dirty="0" err="1"/>
+              <a:t>congis</a:t>
+            </a:r>
+            <a:r>
+              <a:rPr lang="en-GB" sz="1700" dirty="0"/>
+              <a:t> can only be put together when there is evidence. </a:t>
             </a:r>
           </a:p>
         </p:txBody>
@@ -15230,7 +15367,11 @@
               <a:t>) ( </a:t>
             </a:r>
             <a:r>
-              <a:rPr lang="en-GB" b="1" dirty="0"/>
+              <a:rPr lang="en-GB" b="1" dirty="0">
+                <a:highlight>
+                  <a:srgbClr val="FFFF00"/>
+                </a:highlight>
+              </a:rPr>
               <a:t>we wont do this, but feel free to read at a later point!!)</a:t>
             </a:r>
           </a:p>
@@ -18522,7 +18663,26 @@
                   <a:srgbClr val="7030A0"/>
                 </a:solidFill>
               </a:rPr>
-              <a:t> output: Draw it!!</a:t>
+              <a:t> output: Draw it!! (</a:t>
+            </a:r>
+            <a:r>
+              <a:rPr lang="en-GB" dirty="0">
+                <a:solidFill>
+                  <a:srgbClr val="7030A0"/>
+                </a:solidFill>
+                <a:highlight>
+                  <a:srgbClr val="FFFF00"/>
+                </a:highlight>
+              </a:rPr>
+              <a:t>if we have time</a:t>
+            </a:r>
+            <a:r>
+              <a:rPr lang="en-GB" dirty="0">
+                <a:solidFill>
+                  <a:srgbClr val="7030A0"/>
+                </a:solidFill>
+              </a:rPr>
+              <a:t>)</a:t>
             </a:r>
           </a:p>
         </p:txBody>
@@ -23659,6 +23819,134 @@
           <p:cNvPr id="2" name="Title 1">
             <a:extLst>
               <a:ext uri="{FF2B5EF4-FFF2-40B4-BE49-F238E27FC236}">
+                <a16:creationId xmlns:a16="http://schemas.microsoft.com/office/drawing/2014/main" id="{39EFDAE2-95A3-47CA-BE33-6C4395A339DB}"/>
+              </a:ext>
+            </a:extLst>
+          </p:cNvPr>
+          <p:cNvSpPr>
+            <a:spLocks noGrp="1"/>
+          </p:cNvSpPr>
+          <p:nvPr>
+            <p:ph type="title"/>
+          </p:nvPr>
+        </p:nvSpPr>
+        <p:spPr/>
+        <p:txBody>
+          <a:bodyPr/>
+          <a:lstStyle/>
+          <a:p>
+            <a:r>
+              <a:rPr lang="en-GB" dirty="0"/>
+              <a:t>BLAST?</a:t>
+            </a:r>
+          </a:p>
+        </p:txBody>
+      </p:sp>
+      <p:sp>
+        <p:nvSpPr>
+          <p:cNvPr id="3" name="Content Placeholder 2">
+            <a:extLst>
+              <a:ext uri="{FF2B5EF4-FFF2-40B4-BE49-F238E27FC236}">
+                <a16:creationId xmlns:a16="http://schemas.microsoft.com/office/drawing/2014/main" id="{45F3EFC9-5849-4184-833C-BBB3DD10A7CE}"/>
+              </a:ext>
+            </a:extLst>
+          </p:cNvPr>
+          <p:cNvSpPr>
+            <a:spLocks noGrp="1"/>
+          </p:cNvSpPr>
+          <p:nvPr>
+            <p:ph idx="1"/>
+          </p:nvPr>
+        </p:nvSpPr>
+        <p:spPr/>
+        <p:txBody>
+          <a:bodyPr/>
+          <a:lstStyle/>
+          <a:p>
+            <a:r>
+              <a:rPr lang="en-US" dirty="0"/>
+              <a:t>In most cases you wouldn’t use BLAST for this you would use: The Genome Taxonomy Database (GTDB) (</a:t>
+            </a:r>
+            <a:r>
+              <a:rPr lang="en-US" u="sng" dirty="0">
+                <a:hlinkClick r:id="rId2"/>
+              </a:rPr>
+              <a:t>https://gtdb.ecogenomic.org/</a:t>
+            </a:r>
+            <a:r>
+              <a:rPr lang="en-US" dirty="0"/>
+              <a:t>) is an initiative to establish a </a:t>
+            </a:r>
+            <a:r>
+              <a:rPr lang="en-US" dirty="0" err="1"/>
+              <a:t>standardised</a:t>
+            </a:r>
+            <a:r>
+              <a:rPr lang="en-US" dirty="0"/>
+              <a:t> microbial taxonomy based on genome phylogeny. </a:t>
+            </a:r>
+            <a:endParaRPr lang="en-GB" dirty="0"/>
+          </a:p>
+          <a:p>
+            <a:r>
+              <a:rPr lang="en-US" dirty="0"/>
+              <a:t>GTDB-Tk (</a:t>
+            </a:r>
+            <a:r>
+              <a:rPr lang="en-US" u="sng" dirty="0">
+                <a:hlinkClick r:id="rId3"/>
+              </a:rPr>
+              <a:t>https://github.com/Ecogenomics/GtdbTk</a:t>
+            </a:r>
+            <a:r>
+              <a:rPr lang="en-US" dirty="0"/>
+              <a:t>) .</a:t>
+            </a:r>
+          </a:p>
+          <a:p>
+            <a:r>
+              <a:rPr lang="en-US" dirty="0"/>
+              <a:t>However, this does work for what we want</a:t>
+            </a:r>
+            <a:endParaRPr lang="en-GB" dirty="0"/>
+          </a:p>
+        </p:txBody>
+      </p:sp>
+    </p:spTree>
+    <p:extLst>
+      <p:ext uri="{BB962C8B-B14F-4D97-AF65-F5344CB8AC3E}">
+        <p14:creationId xmlns:p14="http://schemas.microsoft.com/office/powerpoint/2010/main" val="811433409"/>
+      </p:ext>
+    </p:extLst>
+  </p:cSld>
+  <p:clrMapOvr>
+    <a:masterClrMapping/>
+  </p:clrMapOvr>
+</p:sld>
+</file>
+
+<file path=ppt/slides/slide38.xml><?xml version="1.0" encoding="utf-8"?>
+<p:sld xmlns:a="http://schemas.openxmlformats.org/drawingml/2006/main" xmlns:r="http://schemas.openxmlformats.org/officeDocument/2006/relationships" xmlns:p="http://schemas.openxmlformats.org/presentationml/2006/main">
+  <p:cSld>
+    <p:spTree>
+      <p:nvGrpSpPr>
+        <p:cNvPr id="1" name=""/>
+        <p:cNvGrpSpPr/>
+        <p:nvPr/>
+      </p:nvGrpSpPr>
+      <p:grpSpPr>
+        <a:xfrm>
+          <a:off x="0" y="0"/>
+          <a:ext cx="0" cy="0"/>
+          <a:chOff x="0" y="0"/>
+          <a:chExt cx="0" cy="0"/>
+        </a:xfrm>
+      </p:grpSpPr>
+      <p:sp>
+        <p:nvSpPr>
+          <p:cNvPr id="2" name="Title 1">
+            <a:extLst>
+              <a:ext uri="{FF2B5EF4-FFF2-40B4-BE49-F238E27FC236}">
                 <a16:creationId xmlns:a16="http://schemas.microsoft.com/office/drawing/2014/main" id="{9DB186D9-2728-4E1B-A6BF-B9A55B0B1C7C}"/>
               </a:ext>
             </a:extLst>
@@ -26448,8 +26736,8 @@
         </p:blipFill>
         <p:spPr>
           <a:xfrm>
-            <a:off x="7391400" y="3770869"/>
-            <a:ext cx="3820257" cy="1372631"/>
+            <a:off x="7391400" y="3492501"/>
+            <a:ext cx="4595004" cy="1651000"/>
           </a:xfrm>
           <a:prstGeom prst="rect">
             <a:avLst/>
@@ -26726,7 +27014,7 @@
           <a:p>
             <a:r>
               <a:rPr lang="en-GB" dirty="0"/>
-              <a:t>Lets look at the Illumina data and get some metrics on the “quality”</a:t>
+              <a:t>Lets look at the Illumina data (fragments) and get some metrics on the “quality”</a:t>
             </a:r>
           </a:p>
           <a:p>
@@ -26736,7 +27024,7 @@
             </a:r>
             <a:r>
               <a:rPr lang="en-GB" dirty="0"/>
-              <a:t> is a program to “look” at the predicted quality scores per base. As this is a probability, we want to know if the data is good or poor quality.</a:t>
+              <a:t> is a program to “look” at the predicted quality scores per base (probability of being called correctly). As this is a probability, we want to know if the data is good or poor quality.</a:t>
             </a:r>
           </a:p>
           <a:p>
@@ -26762,12 +27050,13 @@
             </a:r>
           </a:p>
           <a:p>
-            <a:endParaRPr lang="en-GB" dirty="0"/>
-          </a:p>
-          <a:p>
+            <a:r>
+              <a:rPr lang="en-GB" sz="2000" b="1" dirty="0"/>
+              <a:t>Read more</a:t>
+            </a:r>
             <a:r>
               <a:rPr lang="en-GB" sz="2000" dirty="0"/>
-              <a:t>Read more: </a:t>
+              <a:t>: </a:t>
             </a:r>
             <a:r>
               <a:rPr lang="en-GB" sz="2000" dirty="0">
@@ -26782,8 +27071,12 @@
           </a:p>
           <a:p>
             <a:r>
+              <a:rPr lang="en-GB" sz="2000" b="1" dirty="0"/>
+              <a:t>Usage</a:t>
+            </a:r>
+            <a:r>
               <a:rPr lang="en-GB" sz="2000" dirty="0"/>
-              <a:t>Usage:   </a:t>
+              <a:t>:   </a:t>
             </a:r>
             <a:r>
               <a:rPr lang="en-GB" sz="2000" dirty="0" err="1"/>
@@ -26791,7 +27084,7 @@
             </a:r>
             <a:r>
               <a:rPr lang="en-GB" sz="2000" dirty="0"/>
-              <a:t> infile.fq.gz</a:t>
+              <a:t>  infile.fq.gz</a:t>
             </a:r>
           </a:p>
           <a:p>
@@ -27683,42 +27976,6 @@
               <a:rPr lang="en-GB" dirty="0"/>
               <a:t>BLAST: identify</a:t>
             </a:r>
-          </a:p>
-        </p:txBody>
-      </p:sp>
-      <p:sp>
-        <p:nvSpPr>
-          <p:cNvPr id="4" name="TextBox 3">
-            <a:extLst>
-              <a:ext uri="{FF2B5EF4-FFF2-40B4-BE49-F238E27FC236}">
-                <a16:creationId xmlns:a16="http://schemas.microsoft.com/office/drawing/2014/main" id="{CA8EAC52-72B2-4A29-8311-DF7B819F418B}"/>
-              </a:ext>
-            </a:extLst>
-          </p:cNvPr>
-          <p:cNvSpPr txBox="1"/>
-          <p:nvPr/>
-        </p:nvSpPr>
-        <p:spPr>
-          <a:xfrm>
-            <a:off x="111967" y="6273800"/>
-            <a:ext cx="925284" cy="369332"/>
-          </a:xfrm>
-          <a:prstGeom prst="rect">
-            <a:avLst/>
-          </a:prstGeom>
-          <a:noFill/>
-        </p:spPr>
-        <p:txBody>
-          <a:bodyPr wrap="square" rtlCol="0">
-            <a:spAutoFit/>
-          </a:bodyPr>
-          <a:lstStyle/>
-          <a:p>
-            <a:r>
-              <a:rPr lang="en-GB" dirty="0" err="1"/>
-              <a:t>fastqc</a:t>
-            </a:r>
-            <a:endParaRPr lang="en-GB" dirty="0"/>
           </a:p>
         </p:txBody>
       </p:sp>
@@ -28086,7 +28343,23 @@
                   <a:srgbClr val="7030A0"/>
                 </a:solidFill>
               </a:rPr>
-              <a:t> format (Illumina output) as input to </a:t>
+              <a:t> (</a:t>
+            </a:r>
+            <a:r>
+              <a:rPr lang="en-GB" dirty="0" err="1">
+                <a:solidFill>
+                  <a:srgbClr val="7030A0"/>
+                </a:solidFill>
+              </a:rPr>
+              <a:t>fq</a:t>
+            </a:r>
+            <a:r>
+              <a:rPr lang="en-GB" dirty="0">
+                <a:solidFill>
+                  <a:srgbClr val="7030A0"/>
+                </a:solidFill>
+              </a:rPr>
+              <a:t>) format (Illumina output) as input to </a:t>
             </a:r>
             <a:r>
               <a:rPr lang="en-GB" dirty="0" err="1">
@@ -28096,11 +28369,30 @@
               </a:rPr>
               <a:t>Fastqc</a:t>
             </a:r>
-            <a:endParaRPr lang="en-GB" dirty="0">
-              <a:solidFill>
-                <a:srgbClr val="7030A0"/>
-              </a:solidFill>
-            </a:endParaRPr>
+            <a:r>
+              <a:rPr lang="en-GB" dirty="0">
+                <a:solidFill>
+                  <a:srgbClr val="7030A0"/>
+                </a:solidFill>
+              </a:rPr>
+              <a:t>. (.</a:t>
+            </a:r>
+            <a:r>
+              <a:rPr lang="en-GB" dirty="0" err="1">
+                <a:solidFill>
+                  <a:srgbClr val="7030A0"/>
+                </a:solidFill>
+              </a:rPr>
+              <a:t>gz</a:t>
+            </a:r>
+            <a:r>
+              <a:rPr lang="en-GB" dirty="0">
+                <a:solidFill>
+                  <a:srgbClr val="7030A0"/>
+                </a:solidFill>
+              </a:rPr>
+              <a:t> just means they are compressed)</a:t>
+            </a:r>
           </a:p>
         </p:txBody>
       </p:sp>
@@ -28205,7 +28497,7 @@
         </p:nvSpPr>
         <p:spPr>
           <a:xfrm>
-            <a:off x="466532" y="1632857"/>
+            <a:off x="404389" y="1913893"/>
             <a:ext cx="10655558" cy="3416320"/>
           </a:xfrm>
           <a:prstGeom prst="rect">
@@ -28336,7 +28628,7 @@
           <a:p>
             <a:pPr lvl="1"/>
             <a:r>
-              <a:rPr lang="en-GB" dirty="0"/>
+              <a:rPr lang="en-GB" b="1" dirty="0"/>
               <a:t>Q30: p = 0.001</a:t>
             </a:r>
           </a:p>

--- a/powerpoint/6_assembly.pptx
+++ b/powerpoint/6_assembly.pptx
@@ -21,9 +21,9 @@
     <p:sldId id="361" r:id="rId15"/>
     <p:sldId id="276" r:id="rId16"/>
     <p:sldId id="357" r:id="rId17"/>
-    <p:sldId id="369" r:id="rId18"/>
-    <p:sldId id="339" r:id="rId19"/>
-    <p:sldId id="271" r:id="rId20"/>
+    <p:sldId id="271" r:id="rId18"/>
+    <p:sldId id="369" r:id="rId19"/>
+    <p:sldId id="339" r:id="rId20"/>
     <p:sldId id="304" r:id="rId21"/>
     <p:sldId id="303" r:id="rId22"/>
     <p:sldId id="358" r:id="rId23"/>
@@ -299,7 +299,7 @@
           <a:p>
             <a:fld id="{D5B3EF36-47C2-4AA3-A387-F39AC0889363}" type="datetimeFigureOut">
               <a:rPr lang="en-GB" smtClean="0"/>
-              <a:t>09/03/2021</a:t>
+              <a:t>10/03/2021</a:t>
             </a:fld>
             <a:endParaRPr lang="en-GB"/>
           </a:p>
@@ -499,7 +499,7 @@
           <a:p>
             <a:fld id="{D5B3EF36-47C2-4AA3-A387-F39AC0889363}" type="datetimeFigureOut">
               <a:rPr lang="en-GB" smtClean="0"/>
-              <a:t>09/03/2021</a:t>
+              <a:t>10/03/2021</a:t>
             </a:fld>
             <a:endParaRPr lang="en-GB"/>
           </a:p>
@@ -709,7 +709,7 @@
           <a:p>
             <a:fld id="{D5B3EF36-47C2-4AA3-A387-F39AC0889363}" type="datetimeFigureOut">
               <a:rPr lang="en-GB" smtClean="0"/>
-              <a:t>09/03/2021</a:t>
+              <a:t>10/03/2021</a:t>
             </a:fld>
             <a:endParaRPr lang="en-GB"/>
           </a:p>
@@ -909,7 +909,7 @@
           <a:p>
             <a:fld id="{D5B3EF36-47C2-4AA3-A387-F39AC0889363}" type="datetimeFigureOut">
               <a:rPr lang="en-GB" smtClean="0"/>
-              <a:t>09/03/2021</a:t>
+              <a:t>10/03/2021</a:t>
             </a:fld>
             <a:endParaRPr lang="en-GB"/>
           </a:p>
@@ -1185,7 +1185,7 @@
           <a:p>
             <a:fld id="{D5B3EF36-47C2-4AA3-A387-F39AC0889363}" type="datetimeFigureOut">
               <a:rPr lang="en-GB" smtClean="0"/>
-              <a:t>09/03/2021</a:t>
+              <a:t>10/03/2021</a:t>
             </a:fld>
             <a:endParaRPr lang="en-GB"/>
           </a:p>
@@ -1453,7 +1453,7 @@
           <a:p>
             <a:fld id="{D5B3EF36-47C2-4AA3-A387-F39AC0889363}" type="datetimeFigureOut">
               <a:rPr lang="en-GB" smtClean="0"/>
-              <a:t>09/03/2021</a:t>
+              <a:t>10/03/2021</a:t>
             </a:fld>
             <a:endParaRPr lang="en-GB"/>
           </a:p>
@@ -1868,7 +1868,7 @@
           <a:p>
             <a:fld id="{D5B3EF36-47C2-4AA3-A387-F39AC0889363}" type="datetimeFigureOut">
               <a:rPr lang="en-GB" smtClean="0"/>
-              <a:t>09/03/2021</a:t>
+              <a:t>10/03/2021</a:t>
             </a:fld>
             <a:endParaRPr lang="en-GB"/>
           </a:p>
@@ -2010,7 +2010,7 @@
           <a:p>
             <a:fld id="{D5B3EF36-47C2-4AA3-A387-F39AC0889363}" type="datetimeFigureOut">
               <a:rPr lang="en-GB" smtClean="0"/>
-              <a:t>09/03/2021</a:t>
+              <a:t>10/03/2021</a:t>
             </a:fld>
             <a:endParaRPr lang="en-GB"/>
           </a:p>
@@ -2123,7 +2123,7 @@
           <a:p>
             <a:fld id="{D5B3EF36-47C2-4AA3-A387-F39AC0889363}" type="datetimeFigureOut">
               <a:rPr lang="en-GB" smtClean="0"/>
-              <a:t>09/03/2021</a:t>
+              <a:t>10/03/2021</a:t>
             </a:fld>
             <a:endParaRPr lang="en-GB"/>
           </a:p>
@@ -2436,7 +2436,7 @@
           <a:p>
             <a:fld id="{D5B3EF36-47C2-4AA3-A387-F39AC0889363}" type="datetimeFigureOut">
               <a:rPr lang="en-GB" smtClean="0"/>
-              <a:t>09/03/2021</a:t>
+              <a:t>10/03/2021</a:t>
             </a:fld>
             <a:endParaRPr lang="en-GB"/>
           </a:p>
@@ -2725,7 +2725,7 @@
           <a:p>
             <a:fld id="{D5B3EF36-47C2-4AA3-A387-F39AC0889363}" type="datetimeFigureOut">
               <a:rPr lang="en-GB" smtClean="0"/>
-              <a:t>09/03/2021</a:t>
+              <a:t>10/03/2021</a:t>
             </a:fld>
             <a:endParaRPr lang="en-GB"/>
           </a:p>
@@ -2968,7 +2968,7 @@
           <a:p>
             <a:fld id="{D5B3EF36-47C2-4AA3-A387-F39AC0889363}" type="datetimeFigureOut">
               <a:rPr lang="en-GB" smtClean="0"/>
-              <a:t>09/03/2021</a:t>
+              <a:t>10/03/2021</a:t>
             </a:fld>
             <a:endParaRPr lang="en-GB"/>
           </a:p>
@@ -10776,7 +10776,7 @@
         </p:nvSpPr>
         <p:spPr>
           <a:xfrm>
-            <a:off x="2616200" y="1229519"/>
+            <a:off x="2616200" y="1208499"/>
             <a:ext cx="4929819" cy="2866147"/>
           </a:xfrm>
           <a:prstGeom prst="rect">
@@ -13071,7 +13071,7 @@
           <p:cNvPr id="2" name="Title 1">
             <a:extLst>
               <a:ext uri="{FF2B5EF4-FFF2-40B4-BE49-F238E27FC236}">
-                <a16:creationId xmlns:a16="http://schemas.microsoft.com/office/drawing/2014/main" id="{58CD9AAE-75E6-486F-9E2C-01775D52DF32}"/>
+                <a16:creationId xmlns:a16="http://schemas.microsoft.com/office/drawing/2014/main" id="{3D09269E-BF25-4289-A434-F94125EC3239}"/>
               </a:ext>
             </a:extLst>
           </p:cNvPr>
@@ -13084,21 +13084,22 @@
         </p:nvSpPr>
         <p:spPr>
           <a:xfrm>
-            <a:off x="0" y="-92075"/>
-            <a:ext cx="12192000" cy="1325563"/>
+            <a:off x="457200" y="-219075"/>
+            <a:ext cx="10515600" cy="1325563"/>
           </a:xfrm>
         </p:spPr>
         <p:txBody>
           <a:bodyPr/>
           <a:lstStyle/>
           <a:p>
+            <a:pPr algn="ctr"/>
             <a:r>
               <a:rPr lang="en-GB" dirty="0">
                 <a:solidFill>
                   <a:srgbClr val="7030A0"/>
                 </a:solidFill>
               </a:rPr>
-              <a:t>6) assembly: Assemble these reads with Velvet</a:t>
+              <a:t>6) assembly: Velvet assembly. </a:t>
             </a:r>
           </a:p>
         </p:txBody>
@@ -13108,7 +13109,7 @@
           <p:cNvPr id="3" name="Content Placeholder 2">
             <a:extLst>
               <a:ext uri="{FF2B5EF4-FFF2-40B4-BE49-F238E27FC236}">
-                <a16:creationId xmlns:a16="http://schemas.microsoft.com/office/drawing/2014/main" id="{8B551883-D24C-4729-8C30-F21A03036CF3}"/>
+                <a16:creationId xmlns:a16="http://schemas.microsoft.com/office/drawing/2014/main" id="{27D2B713-FAB9-4FA6-9634-CBA2C3D0A60A}"/>
               </a:ext>
             </a:extLst>
           </p:cNvPr>
@@ -13121,25 +13122,228 @@
         </p:nvSpPr>
         <p:spPr>
           <a:xfrm>
-            <a:off x="26382" y="1852429"/>
-            <a:ext cx="11477625" cy="4351338"/>
-          </a:xfrm>
-        </p:spPr>
-        <p:txBody>
-          <a:bodyPr/>
-          <a:lstStyle/>
-          <a:p>
+            <a:off x="139700" y="987424"/>
+            <a:ext cx="11874500" cy="5596256"/>
+          </a:xfrm>
+        </p:spPr>
+        <p:txBody>
+          <a:bodyPr>
+            <a:normAutofit lnSpcReduction="10000"/>
+          </a:bodyPr>
+          <a:lstStyle/>
+          <a:p>
+            <a:pPr marL="0" indent="0">
+              <a:buNone/>
+            </a:pPr>
             <a:r>
               <a:rPr lang="en-GB" dirty="0">
-                <a:highlight>
-                  <a:srgbClr val="FFFF00"/>
-                </a:highlight>
+                <a:hlinkClick r:id="rId2"/>
               </a:rPr>
-              <a:t>BONUS question</a:t>
+              <a:t>https://en.wikipedia.org/wiki/Velvet_assembler</a:t>
             </a:r>
             <a:r>
               <a:rPr lang="en-GB" dirty="0"/>
-              <a:t>: can you write a script (for loop) that will run Velvet for every odd </a:t>
+              <a:t> </a:t>
+            </a:r>
+          </a:p>
+          <a:p>
+            <a:pPr marL="0" indent="0">
+              <a:buNone/>
+            </a:pPr>
+            <a:endParaRPr lang="en-GB" dirty="0"/>
+          </a:p>
+          <a:p>
+            <a:pPr marL="0" indent="0">
+              <a:buNone/>
+            </a:pPr>
+            <a:r>
+              <a:rPr lang="en-GB" dirty="0"/>
+              <a:t>Edit this: </a:t>
+            </a:r>
+            <a:r>
+              <a:rPr lang="en-GB" dirty="0">
+                <a:solidFill>
+                  <a:srgbClr val="0070C0"/>
+                </a:solidFill>
+              </a:rPr>
+              <a:t>assembly.sh</a:t>
+            </a:r>
+            <a:endParaRPr lang="en-GB" dirty="0"/>
+          </a:p>
+          <a:p>
+            <a:pPr marL="0" indent="0">
+              <a:buNone/>
+            </a:pPr>
+            <a:endParaRPr lang="en-GB" dirty="0"/>
+          </a:p>
+          <a:p>
+            <a:pPr marL="0" indent="0">
+              <a:buNone/>
+            </a:pPr>
+            <a:r>
+              <a:rPr lang="en-GB" sz="2400" dirty="0" err="1">
+                <a:solidFill>
+                  <a:srgbClr val="0070C0"/>
+                </a:solidFill>
+              </a:rPr>
+              <a:t>velveth</a:t>
+            </a:r>
+            <a:r>
+              <a:rPr lang="en-GB" sz="2400" dirty="0">
+                <a:solidFill>
+                  <a:srgbClr val="0070C0"/>
+                </a:solidFill>
+              </a:rPr>
+              <a:t> -h </a:t>
+            </a:r>
+          </a:p>
+          <a:p>
+            <a:pPr marL="0" indent="0">
+              <a:buNone/>
+            </a:pPr>
+            <a:r>
+              <a:rPr lang="en-GB" sz="2400" dirty="0" err="1">
+                <a:solidFill>
+                  <a:srgbClr val="0070C0"/>
+                </a:solidFill>
+              </a:rPr>
+              <a:t>velveth</a:t>
+            </a:r>
+            <a:r>
+              <a:rPr lang="en-GB" sz="2400" dirty="0">
+                <a:solidFill>
+                  <a:srgbClr val="0070C0"/>
+                </a:solidFill>
+              </a:rPr>
+              <a:t> directory </a:t>
+            </a:r>
+            <a:r>
+              <a:rPr lang="en-GB" sz="2400" i="1" dirty="0" err="1">
+                <a:solidFill>
+                  <a:srgbClr val="FF0000"/>
+                </a:solidFill>
+              </a:rPr>
+              <a:t>kmer_length</a:t>
+            </a:r>
+            <a:r>
+              <a:rPr lang="en-GB" sz="2400" i="1" dirty="0">
+                <a:solidFill>
+                  <a:srgbClr val="FF0000"/>
+                </a:solidFill>
+              </a:rPr>
+              <a:t> </a:t>
+            </a:r>
+            <a:r>
+              <a:rPr lang="en-GB" sz="2400" dirty="0">
+                <a:solidFill>
+                  <a:srgbClr val="0070C0"/>
+                </a:solidFill>
+              </a:rPr>
+              <a:t>-</a:t>
+            </a:r>
+            <a:r>
+              <a:rPr lang="en-GB" sz="2400" dirty="0" err="1">
+                <a:solidFill>
+                  <a:srgbClr val="0070C0"/>
+                </a:solidFill>
+              </a:rPr>
+              <a:t>shortPaired</a:t>
+            </a:r>
+            <a:r>
+              <a:rPr lang="en-GB" sz="2400" dirty="0">
+                <a:solidFill>
+                  <a:srgbClr val="0070C0"/>
+                </a:solidFill>
+              </a:rPr>
+              <a:t> -</a:t>
+            </a:r>
+            <a:r>
+              <a:rPr lang="en-GB" sz="2400" dirty="0" err="1">
+                <a:solidFill>
+                  <a:srgbClr val="0070C0"/>
+                </a:solidFill>
+              </a:rPr>
+              <a:t>fastq</a:t>
+            </a:r>
+            <a:r>
+              <a:rPr lang="en-GB" sz="2400" dirty="0">
+                <a:solidFill>
+                  <a:srgbClr val="0070C0"/>
+                </a:solidFill>
+              </a:rPr>
+              <a:t> R1.fastq.gz R2.fastq.gz</a:t>
+            </a:r>
+            <a:endParaRPr lang="en-GB" dirty="0">
+              <a:solidFill>
+                <a:srgbClr val="0070C0"/>
+              </a:solidFill>
+            </a:endParaRPr>
+          </a:p>
+          <a:p>
+            <a:pPr marL="0" indent="0">
+              <a:buNone/>
+            </a:pPr>
+            <a:r>
+              <a:rPr lang="en-GB" sz="2400" dirty="0" err="1">
+                <a:solidFill>
+                  <a:srgbClr val="0070C0"/>
+                </a:solidFill>
+              </a:rPr>
+              <a:t>velvetg</a:t>
+            </a:r>
+            <a:r>
+              <a:rPr lang="en-GB" sz="2400" dirty="0">
+                <a:solidFill>
+                  <a:srgbClr val="0070C0"/>
+                </a:solidFill>
+              </a:rPr>
+              <a:t> directory</a:t>
+            </a:r>
+          </a:p>
+          <a:p>
+            <a:pPr marL="0" indent="0">
+              <a:buNone/>
+            </a:pPr>
+            <a:endParaRPr lang="en-GB" dirty="0">
+              <a:solidFill>
+                <a:srgbClr val="0070C0"/>
+              </a:solidFill>
+            </a:endParaRPr>
+          </a:p>
+          <a:p>
+            <a:pPr marL="0" indent="0">
+              <a:buNone/>
+            </a:pPr>
+            <a:r>
+              <a:rPr lang="en-GB" dirty="0"/>
+              <a:t>Do this with : </a:t>
+            </a:r>
+          </a:p>
+          <a:p>
+            <a:pPr marL="0" indent="0">
+              <a:buNone/>
+            </a:pPr>
+            <a:r>
+              <a:rPr lang="en-GB" dirty="0"/>
+              <a:t>      1) the raw reads</a:t>
+            </a:r>
+          </a:p>
+          <a:p>
+            <a:pPr marL="0" indent="0">
+              <a:buNone/>
+            </a:pPr>
+            <a:r>
+              <a:rPr lang="en-GB" dirty="0"/>
+              <a:t>      2) the quality trimmed reads … does this impact the assembly?</a:t>
+            </a:r>
+          </a:p>
+          <a:p>
+            <a:pPr marL="0" indent="0">
+              <a:buNone/>
+            </a:pPr>
+            <a:r>
+              <a:rPr lang="en-GB" dirty="0"/>
+              <a:t>Alter the </a:t>
             </a:r>
             <a:r>
               <a:rPr lang="en-GB" dirty="0" err="1"/>
@@ -13147,10 +13351,13 @@
             </a:r>
             <a:r>
               <a:rPr lang="en-GB" dirty="0"/>
-              <a:t> value between 55 and 127?</a:t>
-            </a:r>
-          </a:p>
-          <a:p>
+              <a:t> value if you wish. (must be odd)</a:t>
+            </a:r>
+          </a:p>
+          <a:p>
+            <a:pPr marL="0" indent="0">
+              <a:buNone/>
+            </a:pPr>
             <a:endParaRPr lang="en-GB" dirty="0"/>
           </a:p>
         </p:txBody>
@@ -13160,7 +13367,7 @@
           <p:cNvPr id="4" name="TextBox 3">
             <a:extLst>
               <a:ext uri="{FF2B5EF4-FFF2-40B4-BE49-F238E27FC236}">
-                <a16:creationId xmlns:a16="http://schemas.microsoft.com/office/drawing/2014/main" id="{650F3381-8D15-46D2-A531-AA7138A7C92C}"/>
+                <a16:creationId xmlns:a16="http://schemas.microsoft.com/office/drawing/2014/main" id="{DFBE4F20-11CC-4269-95B7-96C7F661E1EB}"/>
               </a:ext>
             </a:extLst>
           </p:cNvPr>
@@ -13169,7 +13376,7 @@
         </p:nvSpPr>
         <p:spPr>
           <a:xfrm>
-            <a:off x="10583257" y="0"/>
+            <a:off x="10350500" y="0"/>
             <a:ext cx="1841500" cy="584775"/>
           </a:xfrm>
           <a:prstGeom prst="rect">
@@ -13205,48 +13412,12 @@
           </a:p>
         </p:txBody>
       </p:sp>
-      <p:pic>
-        <p:nvPicPr>
-          <p:cNvPr id="7" name="Picture 6">
-            <a:extLst>
-              <a:ext uri="{FF2B5EF4-FFF2-40B4-BE49-F238E27FC236}">
-                <a16:creationId xmlns:a16="http://schemas.microsoft.com/office/drawing/2014/main" id="{49D3E747-F44E-4EDE-AFCF-C0F4BA4E5504}"/>
-              </a:ext>
-            </a:extLst>
-          </p:cNvPr>
-          <p:cNvPicPr>
-            <a:picLocks noChangeAspect="1"/>
-          </p:cNvPicPr>
-          <p:nvPr/>
-        </p:nvPicPr>
-        <p:blipFill>
-          <a:blip r:embed="rId2">
-            <a:extLst>
-              <a:ext uri="{28A0092B-C50C-407E-A947-70E740481C1C}">
-                <a14:useLocalDpi xmlns:a14="http://schemas.microsoft.com/office/drawing/2010/main" val="0"/>
-              </a:ext>
-            </a:extLst>
-          </a:blip>
-          <a:stretch>
-            <a:fillRect/>
-          </a:stretch>
-        </p:blipFill>
-        <p:spPr>
-          <a:xfrm>
-            <a:off x="9950999" y="5549566"/>
-            <a:ext cx="2075902" cy="1200329"/>
-          </a:xfrm>
-          <a:prstGeom prst="rect">
-            <a:avLst/>
-          </a:prstGeom>
-        </p:spPr>
-      </p:pic>
       <p:sp>
         <p:nvSpPr>
           <p:cNvPr id="5" name="Rectangle 4">
             <a:extLst>
               <a:ext uri="{FF2B5EF4-FFF2-40B4-BE49-F238E27FC236}">
-                <a16:creationId xmlns:a16="http://schemas.microsoft.com/office/drawing/2014/main" id="{25C3A4C2-E69A-43D5-A221-4E60B2AAC22A}"/>
+                <a16:creationId xmlns:a16="http://schemas.microsoft.com/office/drawing/2014/main" id="{E9D8677A-EC6E-4594-B308-933335FCDF90}"/>
               </a:ext>
             </a:extLst>
           </p:cNvPr>
@@ -13255,68 +13426,8 @@
         </p:nvSpPr>
         <p:spPr>
           <a:xfrm>
-            <a:off x="266700" y="971684"/>
-            <a:ext cx="10769600" cy="707886"/>
-          </a:xfrm>
-          <a:prstGeom prst="rect">
-            <a:avLst/>
-          </a:prstGeom>
-        </p:spPr>
-        <p:txBody>
-          <a:bodyPr wrap="square">
-            <a:spAutoFit/>
-          </a:bodyPr>
-          <a:lstStyle/>
-          <a:p>
-            <a:r>
-              <a:rPr lang="en-GB" sz="2000" dirty="0"/>
-              <a:t>This takes a while, so get it going!!!!</a:t>
-            </a:r>
-          </a:p>
-          <a:p>
-            <a:r>
-              <a:rPr lang="en-GB" sz="2000" dirty="0">
-                <a:solidFill>
-                  <a:srgbClr val="0070C0"/>
-                </a:solidFill>
-              </a:rPr>
-              <a:t>	</a:t>
-            </a:r>
-            <a:r>
-              <a:rPr lang="en-GB" sz="2000" dirty="0" err="1">
-                <a:solidFill>
-                  <a:srgbClr val="0070C0"/>
-                </a:solidFill>
-              </a:rPr>
-              <a:t>qsub</a:t>
-            </a:r>
-            <a:r>
-              <a:rPr lang="en-GB" sz="2000" dirty="0">
-                <a:solidFill>
-                  <a:srgbClr val="0070C0"/>
-                </a:solidFill>
-              </a:rPr>
-              <a:t> -V assembly.sh</a:t>
-            </a:r>
-          </a:p>
-        </p:txBody>
-      </p:sp>
-      <p:sp>
-        <p:nvSpPr>
-          <p:cNvPr id="8" name="Rectangle 7">
-            <a:extLst>
-              <a:ext uri="{FF2B5EF4-FFF2-40B4-BE49-F238E27FC236}">
-                <a16:creationId xmlns:a16="http://schemas.microsoft.com/office/drawing/2014/main" id="{BD260CA4-A8EE-4473-B323-6160B28A3F7A}"/>
-              </a:ext>
-            </a:extLst>
-          </p:cNvPr>
-          <p:cNvSpPr/>
-          <p:nvPr/>
-        </p:nvSpPr>
-        <p:spPr>
-          <a:xfrm>
-            <a:off x="111967" y="5495730"/>
-            <a:ext cx="989045" cy="601467"/>
+            <a:off x="139700" y="2586692"/>
+            <a:ext cx="10833100" cy="1692009"/>
           </a:xfrm>
           <a:prstGeom prst="rect">
             <a:avLst/>
@@ -13350,22 +13461,20 @@
       </p:sp>
       <p:cxnSp>
         <p:nvCxnSpPr>
-          <p:cNvPr id="9" name="Straight Arrow Connector 8">
-            <a:extLst>
-              <a:ext uri="{FF2B5EF4-FFF2-40B4-BE49-F238E27FC236}">
-                <a16:creationId xmlns:a16="http://schemas.microsoft.com/office/drawing/2014/main" id="{474DAE40-E05A-4811-BECB-17047832069F}"/>
-              </a:ext>
-            </a:extLst>
-          </p:cNvPr>
-          <p:cNvCxnSpPr>
-            <a:stCxn id="8" idx="3"/>
-          </p:cNvCxnSpPr>
+          <p:cNvPr id="7" name="Straight Arrow Connector 6">
+            <a:extLst>
+              <a:ext uri="{FF2B5EF4-FFF2-40B4-BE49-F238E27FC236}">
+                <a16:creationId xmlns:a16="http://schemas.microsoft.com/office/drawing/2014/main" id="{53B77B7E-C721-44DD-8EAB-7A5E8955E0BC}"/>
+              </a:ext>
+            </a:extLst>
+          </p:cNvPr>
+          <p:cNvCxnSpPr/>
           <p:nvPr/>
         </p:nvCxnSpPr>
         <p:spPr>
-          <a:xfrm flipV="1">
-            <a:off x="1101012" y="5794310"/>
-            <a:ext cx="718458" cy="2154"/>
+          <a:xfrm flipH="1">
+            <a:off x="3320249" y="2237173"/>
+            <a:ext cx="213064" cy="896644"/>
           </a:xfrm>
           <a:prstGeom prst="straightConnector1">
             <a:avLst/>
@@ -13389,775 +13498,10 @@
           </a:fontRef>
         </p:style>
       </p:cxnSp>
-      <p:sp>
-        <p:nvSpPr>
-          <p:cNvPr id="10" name="TextBox 9">
-            <a:extLst>
-              <a:ext uri="{FF2B5EF4-FFF2-40B4-BE49-F238E27FC236}">
-                <a16:creationId xmlns:a16="http://schemas.microsoft.com/office/drawing/2014/main" id="{9860632D-62EC-40C9-A3F2-F1F12545A066}"/>
-              </a:ext>
-            </a:extLst>
-          </p:cNvPr>
-          <p:cNvSpPr txBox="1"/>
-          <p:nvPr/>
-        </p:nvSpPr>
-        <p:spPr>
-          <a:xfrm>
-            <a:off x="130629" y="5507215"/>
-            <a:ext cx="925284" cy="646331"/>
-          </a:xfrm>
-          <a:prstGeom prst="rect">
-            <a:avLst/>
-          </a:prstGeom>
-          <a:noFill/>
-        </p:spPr>
-        <p:txBody>
-          <a:bodyPr wrap="square" rtlCol="0">
-            <a:spAutoFit/>
-          </a:bodyPr>
-          <a:lstStyle/>
-          <a:p>
-            <a:r>
-              <a:rPr lang="en-GB" dirty="0"/>
-              <a:t>Quality control</a:t>
-            </a:r>
-          </a:p>
-        </p:txBody>
-      </p:sp>
-      <p:sp>
-        <p:nvSpPr>
-          <p:cNvPr id="11" name="Rectangle 10">
-            <a:extLst>
-              <a:ext uri="{FF2B5EF4-FFF2-40B4-BE49-F238E27FC236}">
-                <a16:creationId xmlns:a16="http://schemas.microsoft.com/office/drawing/2014/main" id="{A6AAAC53-9A00-48C8-A208-CD2097ED7F15}"/>
-              </a:ext>
-            </a:extLst>
-          </p:cNvPr>
-          <p:cNvSpPr/>
-          <p:nvPr/>
-        </p:nvSpPr>
-        <p:spPr>
-          <a:xfrm>
-            <a:off x="1813250" y="5480176"/>
-            <a:ext cx="989045" cy="601467"/>
-          </a:xfrm>
-          <a:prstGeom prst="rect">
-            <a:avLst/>
-          </a:prstGeom>
-          <a:noFill/>
-        </p:spPr>
-        <p:style>
-          <a:lnRef idx="2">
-            <a:schemeClr val="accent1">
-              <a:shade val="50000"/>
-            </a:schemeClr>
-          </a:lnRef>
-          <a:fillRef idx="1">
-            <a:schemeClr val="accent1"/>
-          </a:fillRef>
-          <a:effectRef idx="0">
-            <a:schemeClr val="accent1"/>
-          </a:effectRef>
-          <a:fontRef idx="minor">
-            <a:schemeClr val="lt1"/>
-          </a:fontRef>
-        </p:style>
-        <p:txBody>
-          <a:bodyPr rtlCol="0" anchor="ctr"/>
-          <a:lstStyle/>
-          <a:p>
-            <a:pPr algn="ctr"/>
-            <a:endParaRPr lang="en-GB" dirty="0"/>
-          </a:p>
-        </p:txBody>
-      </p:sp>
-      <p:cxnSp>
-        <p:nvCxnSpPr>
-          <p:cNvPr id="12" name="Straight Arrow Connector 11">
-            <a:extLst>
-              <a:ext uri="{FF2B5EF4-FFF2-40B4-BE49-F238E27FC236}">
-                <a16:creationId xmlns:a16="http://schemas.microsoft.com/office/drawing/2014/main" id="{CFF10927-A4A7-494E-A98F-EC7E578AFD05}"/>
-              </a:ext>
-            </a:extLst>
-          </p:cNvPr>
-          <p:cNvCxnSpPr>
-            <a:stCxn id="11" idx="3"/>
-          </p:cNvCxnSpPr>
-          <p:nvPr/>
-        </p:nvCxnSpPr>
-        <p:spPr>
-          <a:xfrm flipV="1">
-            <a:off x="2802295" y="5778756"/>
-            <a:ext cx="718458" cy="2154"/>
-          </a:xfrm>
-          <a:prstGeom prst="straightConnector1">
-            <a:avLst/>
-          </a:prstGeom>
-          <a:ln>
-            <a:tailEnd type="triangle"/>
-          </a:ln>
-        </p:spPr>
-        <p:style>
-          <a:lnRef idx="1">
-            <a:schemeClr val="accent1"/>
-          </a:lnRef>
-          <a:fillRef idx="0">
-            <a:schemeClr val="accent1"/>
-          </a:fillRef>
-          <a:effectRef idx="0">
-            <a:schemeClr val="accent1"/>
-          </a:effectRef>
-          <a:fontRef idx="minor">
-            <a:schemeClr val="tx1"/>
-          </a:fontRef>
-        </p:style>
-      </p:cxnSp>
-      <p:sp>
-        <p:nvSpPr>
-          <p:cNvPr id="13" name="TextBox 12">
-            <a:extLst>
-              <a:ext uri="{FF2B5EF4-FFF2-40B4-BE49-F238E27FC236}">
-                <a16:creationId xmlns:a16="http://schemas.microsoft.com/office/drawing/2014/main" id="{9B65005A-DB95-44F5-8E4A-9B64407CD738}"/>
-              </a:ext>
-            </a:extLst>
-          </p:cNvPr>
-          <p:cNvSpPr txBox="1"/>
-          <p:nvPr/>
-        </p:nvSpPr>
-        <p:spPr>
-          <a:xfrm>
-            <a:off x="1831912" y="5491661"/>
-            <a:ext cx="925284" cy="646331"/>
-          </a:xfrm>
-          <a:prstGeom prst="rect">
-            <a:avLst/>
-          </a:prstGeom>
-          <a:noFill/>
-        </p:spPr>
-        <p:txBody>
-          <a:bodyPr wrap="square" rtlCol="0">
-            <a:spAutoFit/>
-          </a:bodyPr>
-          <a:lstStyle/>
-          <a:p>
-            <a:r>
-              <a:rPr lang="en-GB" dirty="0"/>
-              <a:t>Quality trim</a:t>
-            </a:r>
-          </a:p>
-        </p:txBody>
-      </p:sp>
-      <p:sp>
-        <p:nvSpPr>
-          <p:cNvPr id="14" name="Rectangle 13">
-            <a:extLst>
-              <a:ext uri="{FF2B5EF4-FFF2-40B4-BE49-F238E27FC236}">
-                <a16:creationId xmlns:a16="http://schemas.microsoft.com/office/drawing/2014/main" id="{525D5768-8A9E-4F0A-9A06-5ABAC9658611}"/>
-              </a:ext>
-            </a:extLst>
-          </p:cNvPr>
-          <p:cNvSpPr/>
-          <p:nvPr/>
-        </p:nvSpPr>
-        <p:spPr>
-          <a:xfrm>
-            <a:off x="3558073" y="5470844"/>
-            <a:ext cx="989045" cy="601467"/>
-          </a:xfrm>
-          <a:prstGeom prst="rect">
-            <a:avLst/>
-          </a:prstGeom>
-          <a:noFill/>
-        </p:spPr>
-        <p:style>
-          <a:lnRef idx="2">
-            <a:schemeClr val="accent1">
-              <a:shade val="50000"/>
-            </a:schemeClr>
-          </a:lnRef>
-          <a:fillRef idx="1">
-            <a:schemeClr val="accent1"/>
-          </a:fillRef>
-          <a:effectRef idx="0">
-            <a:schemeClr val="accent1"/>
-          </a:effectRef>
-          <a:fontRef idx="minor">
-            <a:schemeClr val="lt1"/>
-          </a:fontRef>
-        </p:style>
-        <p:txBody>
-          <a:bodyPr rtlCol="0" anchor="ctr"/>
-          <a:lstStyle/>
-          <a:p>
-            <a:pPr algn="ctr"/>
-            <a:endParaRPr lang="en-GB" dirty="0"/>
-          </a:p>
-        </p:txBody>
-      </p:sp>
-      <p:cxnSp>
-        <p:nvCxnSpPr>
-          <p:cNvPr id="15" name="Straight Arrow Connector 14">
-            <a:extLst>
-              <a:ext uri="{FF2B5EF4-FFF2-40B4-BE49-F238E27FC236}">
-                <a16:creationId xmlns:a16="http://schemas.microsoft.com/office/drawing/2014/main" id="{7654608C-642A-426B-819E-A9A238AF677A}"/>
-              </a:ext>
-            </a:extLst>
-          </p:cNvPr>
-          <p:cNvCxnSpPr>
-            <a:stCxn id="14" idx="3"/>
-          </p:cNvCxnSpPr>
-          <p:nvPr/>
-        </p:nvCxnSpPr>
-        <p:spPr>
-          <a:xfrm flipV="1">
-            <a:off x="4547118" y="5769424"/>
-            <a:ext cx="718458" cy="2154"/>
-          </a:xfrm>
-          <a:prstGeom prst="straightConnector1">
-            <a:avLst/>
-          </a:prstGeom>
-          <a:ln>
-            <a:tailEnd type="triangle"/>
-          </a:ln>
-        </p:spPr>
-        <p:style>
-          <a:lnRef idx="1">
-            <a:schemeClr val="accent1"/>
-          </a:lnRef>
-          <a:fillRef idx="0">
-            <a:schemeClr val="accent1"/>
-          </a:fillRef>
-          <a:effectRef idx="0">
-            <a:schemeClr val="accent1"/>
-          </a:effectRef>
-          <a:fontRef idx="minor">
-            <a:schemeClr val="tx1"/>
-          </a:fontRef>
-        </p:style>
-      </p:cxnSp>
-      <p:sp>
-        <p:nvSpPr>
-          <p:cNvPr id="16" name="TextBox 15">
-            <a:extLst>
-              <a:ext uri="{FF2B5EF4-FFF2-40B4-BE49-F238E27FC236}">
-                <a16:creationId xmlns:a16="http://schemas.microsoft.com/office/drawing/2014/main" id="{43DA29CA-A30E-468C-8C6B-F6B77B9384B5}"/>
-              </a:ext>
-            </a:extLst>
-          </p:cNvPr>
-          <p:cNvSpPr txBox="1"/>
-          <p:nvPr/>
-        </p:nvSpPr>
-        <p:spPr>
-          <a:xfrm>
-            <a:off x="3576735" y="5482329"/>
-            <a:ext cx="925284" cy="646331"/>
-          </a:xfrm>
-          <a:prstGeom prst="rect">
-            <a:avLst/>
-          </a:prstGeom>
-          <a:noFill/>
-        </p:spPr>
-        <p:txBody>
-          <a:bodyPr wrap="square" rtlCol="0">
-            <a:spAutoFit/>
-          </a:bodyPr>
-          <a:lstStyle/>
-          <a:p>
-            <a:r>
-              <a:rPr lang="en-GB" dirty="0"/>
-              <a:t>Quality control</a:t>
-            </a:r>
-          </a:p>
-        </p:txBody>
-      </p:sp>
-      <p:sp>
-        <p:nvSpPr>
-          <p:cNvPr id="17" name="Rectangle 16">
-            <a:extLst>
-              <a:ext uri="{FF2B5EF4-FFF2-40B4-BE49-F238E27FC236}">
-                <a16:creationId xmlns:a16="http://schemas.microsoft.com/office/drawing/2014/main" id="{D87E3B06-3511-484A-A1F2-F23549CA58F1}"/>
-              </a:ext>
-            </a:extLst>
-          </p:cNvPr>
-          <p:cNvSpPr/>
-          <p:nvPr/>
-        </p:nvSpPr>
-        <p:spPr>
-          <a:xfrm>
-            <a:off x="5274908" y="5452183"/>
-            <a:ext cx="1331165" cy="1336195"/>
-          </a:xfrm>
-          <a:prstGeom prst="rect">
-            <a:avLst/>
-          </a:prstGeom>
-          <a:noFill/>
-        </p:spPr>
-        <p:style>
-          <a:lnRef idx="2">
-            <a:schemeClr val="accent1">
-              <a:shade val="50000"/>
-            </a:schemeClr>
-          </a:lnRef>
-          <a:fillRef idx="1">
-            <a:schemeClr val="accent1"/>
-          </a:fillRef>
-          <a:effectRef idx="0">
-            <a:schemeClr val="accent1"/>
-          </a:effectRef>
-          <a:fontRef idx="minor">
-            <a:schemeClr val="lt1"/>
-          </a:fontRef>
-        </p:style>
-        <p:txBody>
-          <a:bodyPr rtlCol="0" anchor="ctr"/>
-          <a:lstStyle/>
-          <a:p>
-            <a:pPr algn="ctr"/>
-            <a:endParaRPr lang="en-GB" dirty="0"/>
-          </a:p>
-        </p:txBody>
-      </p:sp>
-      <p:sp>
-        <p:nvSpPr>
-          <p:cNvPr id="18" name="TextBox 17">
-            <a:extLst>
-              <a:ext uri="{FF2B5EF4-FFF2-40B4-BE49-F238E27FC236}">
-                <a16:creationId xmlns:a16="http://schemas.microsoft.com/office/drawing/2014/main" id="{29200320-DF1A-47A2-A5DC-31DC8930794C}"/>
-              </a:ext>
-            </a:extLst>
-          </p:cNvPr>
-          <p:cNvSpPr txBox="1"/>
-          <p:nvPr/>
-        </p:nvSpPr>
-        <p:spPr>
-          <a:xfrm>
-            <a:off x="5274907" y="5491661"/>
-            <a:ext cx="1424473" cy="1354217"/>
-          </a:xfrm>
-          <a:prstGeom prst="rect">
-            <a:avLst/>
-          </a:prstGeom>
-          <a:noFill/>
-        </p:spPr>
-        <p:txBody>
-          <a:bodyPr wrap="square" rtlCol="0">
-            <a:spAutoFit/>
-          </a:bodyPr>
-          <a:lstStyle/>
-          <a:p>
-            <a:r>
-              <a:rPr lang="en-GB" b="1" dirty="0">
-                <a:highlight>
-                  <a:srgbClr val="FFFF00"/>
-                </a:highlight>
-              </a:rPr>
-              <a:t>Assemble </a:t>
-            </a:r>
-            <a:r>
-              <a:rPr lang="en-GB" sz="1600" b="1" dirty="0">
-                <a:highlight>
-                  <a:srgbClr val="FFFF00"/>
-                </a:highlight>
-              </a:rPr>
-              <a:t>(different </a:t>
-            </a:r>
-            <a:r>
-              <a:rPr lang="en-GB" sz="1600" b="1" dirty="0" err="1">
-                <a:highlight>
-                  <a:srgbClr val="FFFF00"/>
-                </a:highlight>
-              </a:rPr>
-              <a:t>kmers</a:t>
-            </a:r>
-            <a:r>
-              <a:rPr lang="en-GB" sz="1600" b="1" dirty="0">
-                <a:highlight>
-                  <a:srgbClr val="FFFF00"/>
-                </a:highlight>
-              </a:rPr>
-              <a:t>, different tools)</a:t>
-            </a:r>
-            <a:endParaRPr lang="en-GB" b="1" dirty="0">
-              <a:highlight>
-                <a:srgbClr val="FFFF00"/>
-              </a:highlight>
-            </a:endParaRPr>
-          </a:p>
-        </p:txBody>
-      </p:sp>
-      <p:cxnSp>
-        <p:nvCxnSpPr>
-          <p:cNvPr id="19" name="Straight Arrow Connector 18">
-            <a:extLst>
-              <a:ext uri="{FF2B5EF4-FFF2-40B4-BE49-F238E27FC236}">
-                <a16:creationId xmlns:a16="http://schemas.microsoft.com/office/drawing/2014/main" id="{75A7CAAA-8F50-4829-AF21-AB7481E8C633}"/>
-              </a:ext>
-            </a:extLst>
-          </p:cNvPr>
-          <p:cNvCxnSpPr/>
-          <p:nvPr/>
-        </p:nvCxnSpPr>
-        <p:spPr>
-          <a:xfrm flipV="1">
-            <a:off x="6627848" y="5769424"/>
-            <a:ext cx="718458" cy="2154"/>
-          </a:xfrm>
-          <a:prstGeom prst="straightConnector1">
-            <a:avLst/>
-          </a:prstGeom>
-          <a:ln>
-            <a:tailEnd type="triangle"/>
-          </a:ln>
-        </p:spPr>
-        <p:style>
-          <a:lnRef idx="1">
-            <a:schemeClr val="accent1"/>
-          </a:lnRef>
-          <a:fillRef idx="0">
-            <a:schemeClr val="accent1"/>
-          </a:fillRef>
-          <a:effectRef idx="0">
-            <a:schemeClr val="accent1"/>
-          </a:effectRef>
-          <a:fontRef idx="minor">
-            <a:schemeClr val="tx1"/>
-          </a:fontRef>
-        </p:style>
-      </p:cxnSp>
-      <p:sp>
-        <p:nvSpPr>
-          <p:cNvPr id="20" name="Rectangle 19">
-            <a:extLst>
-              <a:ext uri="{FF2B5EF4-FFF2-40B4-BE49-F238E27FC236}">
-                <a16:creationId xmlns:a16="http://schemas.microsoft.com/office/drawing/2014/main" id="{01156417-6866-4E76-AC99-3B12BB646681}"/>
-              </a:ext>
-            </a:extLst>
-          </p:cNvPr>
-          <p:cNvSpPr/>
-          <p:nvPr/>
-        </p:nvSpPr>
-        <p:spPr>
-          <a:xfrm>
-            <a:off x="7327644" y="5459659"/>
-            <a:ext cx="989045" cy="601467"/>
-          </a:xfrm>
-          <a:prstGeom prst="rect">
-            <a:avLst/>
-          </a:prstGeom>
-          <a:noFill/>
-        </p:spPr>
-        <p:style>
-          <a:lnRef idx="2">
-            <a:schemeClr val="accent1">
-              <a:shade val="50000"/>
-            </a:schemeClr>
-          </a:lnRef>
-          <a:fillRef idx="1">
-            <a:schemeClr val="accent1"/>
-          </a:fillRef>
-          <a:effectRef idx="0">
-            <a:schemeClr val="accent1"/>
-          </a:effectRef>
-          <a:fontRef idx="minor">
-            <a:schemeClr val="lt1"/>
-          </a:fontRef>
-        </p:style>
-        <p:txBody>
-          <a:bodyPr rtlCol="0" anchor="ctr"/>
-          <a:lstStyle/>
-          <a:p>
-            <a:pPr algn="ctr"/>
-            <a:endParaRPr lang="en-GB" dirty="0"/>
-          </a:p>
-        </p:txBody>
-      </p:sp>
-      <p:cxnSp>
-        <p:nvCxnSpPr>
-          <p:cNvPr id="21" name="Straight Arrow Connector 20">
-            <a:extLst>
-              <a:ext uri="{FF2B5EF4-FFF2-40B4-BE49-F238E27FC236}">
-                <a16:creationId xmlns:a16="http://schemas.microsoft.com/office/drawing/2014/main" id="{C2E3C1AD-EE3D-42A2-9A7A-B50C54823248}"/>
-              </a:ext>
-            </a:extLst>
-          </p:cNvPr>
-          <p:cNvCxnSpPr>
-            <a:stCxn id="20" idx="3"/>
-          </p:cNvCxnSpPr>
-          <p:nvPr/>
-        </p:nvCxnSpPr>
-        <p:spPr>
-          <a:xfrm flipV="1">
-            <a:off x="8316689" y="5758239"/>
-            <a:ext cx="718458" cy="2154"/>
-          </a:xfrm>
-          <a:prstGeom prst="straightConnector1">
-            <a:avLst/>
-          </a:prstGeom>
-          <a:ln>
-            <a:tailEnd type="triangle"/>
-          </a:ln>
-        </p:spPr>
-        <p:style>
-          <a:lnRef idx="1">
-            <a:schemeClr val="accent1"/>
-          </a:lnRef>
-          <a:fillRef idx="0">
-            <a:schemeClr val="accent1"/>
-          </a:fillRef>
-          <a:effectRef idx="0">
-            <a:schemeClr val="accent1"/>
-          </a:effectRef>
-          <a:fontRef idx="minor">
-            <a:schemeClr val="tx1"/>
-          </a:fontRef>
-        </p:style>
-      </p:cxnSp>
-      <p:sp>
-        <p:nvSpPr>
-          <p:cNvPr id="22" name="TextBox 21">
-            <a:extLst>
-              <a:ext uri="{FF2B5EF4-FFF2-40B4-BE49-F238E27FC236}">
-                <a16:creationId xmlns:a16="http://schemas.microsoft.com/office/drawing/2014/main" id="{9E0FCF11-17F3-4EF6-A6BC-1CE870512C8D}"/>
-              </a:ext>
-            </a:extLst>
-          </p:cNvPr>
-          <p:cNvSpPr txBox="1"/>
-          <p:nvPr/>
-        </p:nvSpPr>
-        <p:spPr>
-          <a:xfrm>
-            <a:off x="7346306" y="5471144"/>
-            <a:ext cx="925284" cy="646331"/>
-          </a:xfrm>
-          <a:prstGeom prst="rect">
-            <a:avLst/>
-          </a:prstGeom>
-          <a:noFill/>
-        </p:spPr>
-        <p:txBody>
-          <a:bodyPr wrap="square" rtlCol="0">
-            <a:spAutoFit/>
-          </a:bodyPr>
-          <a:lstStyle/>
-          <a:p>
-            <a:r>
-              <a:rPr lang="en-GB" dirty="0"/>
-              <a:t>Predict genes</a:t>
-            </a:r>
-          </a:p>
-        </p:txBody>
-      </p:sp>
-      <p:sp>
-        <p:nvSpPr>
-          <p:cNvPr id="23" name="Rectangle 22">
-            <a:extLst>
-              <a:ext uri="{FF2B5EF4-FFF2-40B4-BE49-F238E27FC236}">
-                <a16:creationId xmlns:a16="http://schemas.microsoft.com/office/drawing/2014/main" id="{86567705-5253-4A89-98A0-1507FFF85237}"/>
-              </a:ext>
-            </a:extLst>
-          </p:cNvPr>
-          <p:cNvSpPr/>
-          <p:nvPr/>
-        </p:nvSpPr>
-        <p:spPr>
-          <a:xfrm>
-            <a:off x="9035147" y="5452183"/>
-            <a:ext cx="989045" cy="1327579"/>
-          </a:xfrm>
-          <a:prstGeom prst="rect">
-            <a:avLst/>
-          </a:prstGeom>
-          <a:noFill/>
-        </p:spPr>
-        <p:style>
-          <a:lnRef idx="2">
-            <a:schemeClr val="accent1">
-              <a:shade val="50000"/>
-            </a:schemeClr>
-          </a:lnRef>
-          <a:fillRef idx="1">
-            <a:schemeClr val="accent1"/>
-          </a:fillRef>
-          <a:effectRef idx="0">
-            <a:schemeClr val="accent1"/>
-          </a:effectRef>
-          <a:fontRef idx="minor">
-            <a:schemeClr val="lt1"/>
-          </a:fontRef>
-        </p:style>
-        <p:txBody>
-          <a:bodyPr rtlCol="0" anchor="ctr"/>
-          <a:lstStyle/>
-          <a:p>
-            <a:pPr algn="ctr"/>
-            <a:endParaRPr lang="en-GB" dirty="0"/>
-          </a:p>
-        </p:txBody>
-      </p:sp>
-      <p:sp>
-        <p:nvSpPr>
-          <p:cNvPr id="24" name="TextBox 23">
-            <a:extLst>
-              <a:ext uri="{FF2B5EF4-FFF2-40B4-BE49-F238E27FC236}">
-                <a16:creationId xmlns:a16="http://schemas.microsoft.com/office/drawing/2014/main" id="{98163BF6-A4B1-4817-A48F-1E8C5F247C00}"/>
-              </a:ext>
-            </a:extLst>
-          </p:cNvPr>
-          <p:cNvSpPr txBox="1"/>
-          <p:nvPr/>
-        </p:nvSpPr>
-        <p:spPr>
-          <a:xfrm>
-            <a:off x="9186770" y="5515807"/>
-            <a:ext cx="925284" cy="1200329"/>
-          </a:xfrm>
-          <a:prstGeom prst="rect">
-            <a:avLst/>
-          </a:prstGeom>
-          <a:noFill/>
-        </p:spPr>
-        <p:txBody>
-          <a:bodyPr wrap="square" rtlCol="0">
-            <a:spAutoFit/>
-          </a:bodyPr>
-          <a:lstStyle/>
-          <a:p>
-            <a:r>
-              <a:rPr lang="en-GB" sz="1200" dirty="0"/>
-              <a:t>Draw a genome diagram with the genes marked</a:t>
-            </a:r>
-          </a:p>
-        </p:txBody>
-      </p:sp>
-      <p:cxnSp>
-        <p:nvCxnSpPr>
-          <p:cNvPr id="25" name="Connector: Elbow 24">
-            <a:extLst>
-              <a:ext uri="{FF2B5EF4-FFF2-40B4-BE49-F238E27FC236}">
-                <a16:creationId xmlns:a16="http://schemas.microsoft.com/office/drawing/2014/main" id="{43208CC6-FB87-4F19-95C3-39AEDA7E42D5}"/>
-              </a:ext>
-            </a:extLst>
-          </p:cNvPr>
-          <p:cNvCxnSpPr>
-            <a:cxnSpLocks/>
-          </p:cNvCxnSpPr>
-          <p:nvPr/>
-        </p:nvCxnSpPr>
-        <p:spPr>
-          <a:xfrm flipV="1">
-            <a:off x="5987143" y="4516016"/>
-            <a:ext cx="2802294" cy="879820"/>
-          </a:xfrm>
-          <a:prstGeom prst="bentConnector3">
-            <a:avLst>
-              <a:gd name="adj1" fmla="val -943"/>
-            </a:avLst>
-          </a:prstGeom>
-          <a:ln>
-            <a:tailEnd type="triangle"/>
-          </a:ln>
-        </p:spPr>
-        <p:style>
-          <a:lnRef idx="1">
-            <a:schemeClr val="accent1"/>
-          </a:lnRef>
-          <a:fillRef idx="0">
-            <a:schemeClr val="accent1"/>
-          </a:fillRef>
-          <a:effectRef idx="0">
-            <a:schemeClr val="accent1"/>
-          </a:effectRef>
-          <a:fontRef idx="minor">
-            <a:schemeClr val="tx1"/>
-          </a:fontRef>
-        </p:style>
-      </p:cxnSp>
-      <p:sp>
-        <p:nvSpPr>
-          <p:cNvPr id="26" name="Rectangle 25">
-            <a:extLst>
-              <a:ext uri="{FF2B5EF4-FFF2-40B4-BE49-F238E27FC236}">
-                <a16:creationId xmlns:a16="http://schemas.microsoft.com/office/drawing/2014/main" id="{2E35272E-C195-4B4F-87EB-5BFB29C4B407}"/>
-              </a:ext>
-            </a:extLst>
-          </p:cNvPr>
-          <p:cNvSpPr/>
-          <p:nvPr/>
-        </p:nvSpPr>
-        <p:spPr>
-          <a:xfrm>
-            <a:off x="8789435" y="4231775"/>
-            <a:ext cx="989045" cy="601467"/>
-          </a:xfrm>
-          <a:prstGeom prst="rect">
-            <a:avLst/>
-          </a:prstGeom>
-          <a:noFill/>
-        </p:spPr>
-        <p:style>
-          <a:lnRef idx="2">
-            <a:schemeClr val="accent1">
-              <a:shade val="50000"/>
-            </a:schemeClr>
-          </a:lnRef>
-          <a:fillRef idx="1">
-            <a:schemeClr val="accent1"/>
-          </a:fillRef>
-          <a:effectRef idx="0">
-            <a:schemeClr val="accent1"/>
-          </a:effectRef>
-          <a:fontRef idx="minor">
-            <a:schemeClr val="lt1"/>
-          </a:fontRef>
-        </p:style>
-        <p:txBody>
-          <a:bodyPr rtlCol="0" anchor="ctr"/>
-          <a:lstStyle/>
-          <a:p>
-            <a:pPr algn="ctr"/>
-            <a:endParaRPr lang="en-GB" dirty="0"/>
-          </a:p>
-        </p:txBody>
-      </p:sp>
-      <p:sp>
-        <p:nvSpPr>
-          <p:cNvPr id="27" name="TextBox 26">
-            <a:extLst>
-              <a:ext uri="{FF2B5EF4-FFF2-40B4-BE49-F238E27FC236}">
-                <a16:creationId xmlns:a16="http://schemas.microsoft.com/office/drawing/2014/main" id="{DFC1A67C-5A4C-4815-9E70-BA70CA901ADA}"/>
-              </a:ext>
-            </a:extLst>
-          </p:cNvPr>
-          <p:cNvSpPr txBox="1"/>
-          <p:nvPr/>
-        </p:nvSpPr>
-        <p:spPr>
-          <a:xfrm>
-            <a:off x="8808097" y="4243260"/>
-            <a:ext cx="925284" cy="646331"/>
-          </a:xfrm>
-          <a:prstGeom prst="rect">
-            <a:avLst/>
-          </a:prstGeom>
-          <a:noFill/>
-        </p:spPr>
-        <p:txBody>
-          <a:bodyPr wrap="square" rtlCol="0">
-            <a:spAutoFit/>
-          </a:bodyPr>
-          <a:lstStyle/>
-          <a:p>
-            <a:r>
-              <a:rPr lang="en-GB" dirty="0"/>
-              <a:t>BLAST: identify</a:t>
-            </a:r>
-          </a:p>
-        </p:txBody>
-      </p:sp>
     </p:spTree>
     <p:extLst>
       <p:ext uri="{BB962C8B-B14F-4D97-AF65-F5344CB8AC3E}">
-        <p14:creationId xmlns:p14="http://schemas.microsoft.com/office/powerpoint/2010/main" val="2902689966"/>
+        <p14:creationId xmlns:p14="http://schemas.microsoft.com/office/powerpoint/2010/main" val="2241796342"/>
       </p:ext>
     </p:extLst>
   </p:cSld>
@@ -14189,7 +13533,7 @@
           <p:cNvPr id="2" name="Title 1">
             <a:extLst>
               <a:ext uri="{FF2B5EF4-FFF2-40B4-BE49-F238E27FC236}">
-                <a16:creationId xmlns:a16="http://schemas.microsoft.com/office/drawing/2014/main" id="{3D09269E-BF25-4289-A434-F94125EC3239}"/>
+                <a16:creationId xmlns:a16="http://schemas.microsoft.com/office/drawing/2014/main" id="{58CD9AAE-75E6-486F-9E2C-01775D52DF32}"/>
               </a:ext>
             </a:extLst>
           </p:cNvPr>
@@ -14202,22 +13546,21 @@
         </p:nvSpPr>
         <p:spPr>
           <a:xfrm>
-            <a:off x="457200" y="-219075"/>
-            <a:ext cx="10515600" cy="1325563"/>
+            <a:off x="0" y="-92075"/>
+            <a:ext cx="12192000" cy="1325563"/>
           </a:xfrm>
         </p:spPr>
         <p:txBody>
           <a:bodyPr/>
           <a:lstStyle/>
           <a:p>
-            <a:pPr algn="ctr"/>
             <a:r>
               <a:rPr lang="en-GB" dirty="0">
                 <a:solidFill>
                   <a:srgbClr val="7030A0"/>
                 </a:solidFill>
               </a:rPr>
-              <a:t>6) assembly: Velvet assembly. </a:t>
+              <a:t>6) assembly: Assemble these reads with Velvet</a:t>
             </a:r>
           </a:p>
         </p:txBody>
@@ -14227,7 +13570,7 @@
           <p:cNvPr id="3" name="Content Placeholder 2">
             <a:extLst>
               <a:ext uri="{FF2B5EF4-FFF2-40B4-BE49-F238E27FC236}">
-                <a16:creationId xmlns:a16="http://schemas.microsoft.com/office/drawing/2014/main" id="{27D2B713-FAB9-4FA6-9634-CBA2C3D0A60A}"/>
+                <a16:creationId xmlns:a16="http://schemas.microsoft.com/office/drawing/2014/main" id="{8B551883-D24C-4729-8C30-F21A03036CF3}"/>
               </a:ext>
             </a:extLst>
           </p:cNvPr>
@@ -14240,22 +13583,25 @@
         </p:nvSpPr>
         <p:spPr>
           <a:xfrm>
-            <a:off x="139700" y="987424"/>
-            <a:ext cx="11874500" cy="5596256"/>
-          </a:xfrm>
-        </p:spPr>
-        <p:txBody>
-          <a:bodyPr>
-            <a:normAutofit/>
-          </a:bodyPr>
-          <a:lstStyle/>
-          <a:p>
-            <a:pPr marL="0" indent="0">
-              <a:buNone/>
-            </a:pPr>
+            <a:off x="26382" y="1852429"/>
+            <a:ext cx="11477625" cy="4351338"/>
+          </a:xfrm>
+        </p:spPr>
+        <p:txBody>
+          <a:bodyPr/>
+          <a:lstStyle/>
+          <a:p>
+            <a:r>
+              <a:rPr lang="en-GB" dirty="0">
+                <a:highlight>
+                  <a:srgbClr val="FFFF00"/>
+                </a:highlight>
+              </a:rPr>
+              <a:t>BONUS question</a:t>
+            </a:r>
             <a:r>
               <a:rPr lang="en-GB" dirty="0"/>
-              <a:t>What is a </a:t>
+              <a:t>: can you write a script (for loop) that will run Velvet for every odd </a:t>
             </a:r>
             <a:r>
               <a:rPr lang="en-GB" dirty="0" err="1"/>
@@ -14263,25 +13609,11 @@
             </a:r>
             <a:r>
               <a:rPr lang="en-GB" dirty="0"/>
-              <a:t> (“split the sequence” into “</a:t>
-            </a:r>
-            <a:r>
-              <a:rPr lang="en-GB" dirty="0" err="1"/>
-              <a:t>kmer_length</a:t>
-            </a:r>
-            <a:r>
-              <a:rPr lang="en-GB" dirty="0"/>
-              <a:t>” chunks):</a:t>
-            </a:r>
-          </a:p>
-          <a:p>
-            <a:pPr marL="0" indent="0">
-              <a:buNone/>
-            </a:pPr>
-            <a:r>
-              <a:rPr lang="en-GB" dirty="0"/>
-              <a:t>There is an extra presentation here explaining this more and lots of resources online. We will not dwell on this due to time limitations. </a:t>
-            </a:r>
+              <a:t> value between 55 and 127?</a:t>
+            </a:r>
+          </a:p>
+          <a:p>
+            <a:endParaRPr lang="en-GB" dirty="0"/>
           </a:p>
         </p:txBody>
       </p:sp>
@@ -14290,7 +13622,7 @@
           <p:cNvPr id="4" name="TextBox 3">
             <a:extLst>
               <a:ext uri="{FF2B5EF4-FFF2-40B4-BE49-F238E27FC236}">
-                <a16:creationId xmlns:a16="http://schemas.microsoft.com/office/drawing/2014/main" id="{DFBE4F20-11CC-4269-95B7-96C7F661E1EB}"/>
+                <a16:creationId xmlns:a16="http://schemas.microsoft.com/office/drawing/2014/main" id="{650F3381-8D15-46D2-A531-AA7138A7C92C}"/>
               </a:ext>
             </a:extLst>
           </p:cNvPr>
@@ -14299,7 +13631,7 @@
         </p:nvSpPr>
         <p:spPr>
           <a:xfrm>
-            <a:off x="10350500" y="0"/>
+            <a:off x="10583257" y="0"/>
             <a:ext cx="1841500" cy="584775"/>
           </a:xfrm>
           <a:prstGeom prst="rect">
@@ -14337,15 +13669,15 @@
       </p:sp>
       <p:pic>
         <p:nvPicPr>
-          <p:cNvPr id="1028" name="Picture 4" descr="https://upload.wikimedia.org/wikipedia/commons/thumb/5/53/K-mer-example.png/500px-K-mer-example.png">
-            <a:extLst>
-              <a:ext uri="{FF2B5EF4-FFF2-40B4-BE49-F238E27FC236}">
-                <a16:creationId xmlns:a16="http://schemas.microsoft.com/office/drawing/2014/main" id="{7BA751DF-0E60-4B3A-AEBF-CB4520EF8C52}"/>
+          <p:cNvPr id="7" name="Picture 6">
+            <a:extLst>
+              <a:ext uri="{FF2B5EF4-FFF2-40B4-BE49-F238E27FC236}">
+                <a16:creationId xmlns:a16="http://schemas.microsoft.com/office/drawing/2014/main" id="{49D3E747-F44E-4EDE-AFCF-C0F4BA4E5504}"/>
               </a:ext>
             </a:extLst>
           </p:cNvPr>
           <p:cNvPicPr>
-            <a:picLocks noChangeAspect="1" noChangeArrowheads="1"/>
+            <a:picLocks noChangeAspect="1"/>
           </p:cNvPicPr>
           <p:nvPr/>
         </p:nvPicPr>
@@ -14357,35 +13689,937 @@
               </a:ext>
             </a:extLst>
           </a:blip>
-          <a:srcRect/>
           <a:stretch>
             <a:fillRect/>
           </a:stretch>
         </p:blipFill>
-        <p:spPr bwMode="auto">
-          <a:xfrm>
-            <a:off x="2040646" y="2893233"/>
-            <a:ext cx="7208667" cy="3964767"/>
+        <p:spPr>
+          <a:xfrm>
+            <a:off x="9950999" y="5549566"/>
+            <a:ext cx="2075902" cy="1200329"/>
           </a:xfrm>
           <a:prstGeom prst="rect">
             <a:avLst/>
           </a:prstGeom>
+        </p:spPr>
+      </p:pic>
+      <p:sp>
+        <p:nvSpPr>
+          <p:cNvPr id="5" name="Rectangle 4">
+            <a:extLst>
+              <a:ext uri="{FF2B5EF4-FFF2-40B4-BE49-F238E27FC236}">
+                <a16:creationId xmlns:a16="http://schemas.microsoft.com/office/drawing/2014/main" id="{25C3A4C2-E69A-43D5-A221-4E60B2AAC22A}"/>
+              </a:ext>
+            </a:extLst>
+          </p:cNvPr>
+          <p:cNvSpPr/>
+          <p:nvPr/>
+        </p:nvSpPr>
+        <p:spPr>
+          <a:xfrm>
+            <a:off x="266700" y="971684"/>
+            <a:ext cx="10769600" cy="707886"/>
+          </a:xfrm>
+          <a:prstGeom prst="rect">
+            <a:avLst/>
+          </a:prstGeom>
+        </p:spPr>
+        <p:txBody>
+          <a:bodyPr wrap="square">
+            <a:spAutoFit/>
+          </a:bodyPr>
+          <a:lstStyle/>
+          <a:p>
+            <a:r>
+              <a:rPr lang="en-GB" sz="2000" dirty="0"/>
+              <a:t>This takes a while, so get it going!!!!</a:t>
+            </a:r>
+          </a:p>
+          <a:p>
+            <a:r>
+              <a:rPr lang="en-GB" sz="2000" dirty="0">
+                <a:solidFill>
+                  <a:srgbClr val="0070C0"/>
+                </a:solidFill>
+              </a:rPr>
+              <a:t>	</a:t>
+            </a:r>
+            <a:r>
+              <a:rPr lang="en-GB" sz="2000" dirty="0" err="1">
+                <a:solidFill>
+                  <a:srgbClr val="0070C0"/>
+                </a:solidFill>
+              </a:rPr>
+              <a:t>qsub</a:t>
+            </a:r>
+            <a:r>
+              <a:rPr lang="en-GB" sz="2000" dirty="0">
+                <a:solidFill>
+                  <a:srgbClr val="0070C0"/>
+                </a:solidFill>
+              </a:rPr>
+              <a:t> -V assembly.sh</a:t>
+            </a:r>
+          </a:p>
+        </p:txBody>
+      </p:sp>
+      <p:sp>
+        <p:nvSpPr>
+          <p:cNvPr id="8" name="Rectangle 7">
+            <a:extLst>
+              <a:ext uri="{FF2B5EF4-FFF2-40B4-BE49-F238E27FC236}">
+                <a16:creationId xmlns:a16="http://schemas.microsoft.com/office/drawing/2014/main" id="{BD260CA4-A8EE-4473-B323-6160B28A3F7A}"/>
+              </a:ext>
+            </a:extLst>
+          </p:cNvPr>
+          <p:cNvSpPr/>
+          <p:nvPr/>
+        </p:nvSpPr>
+        <p:spPr>
+          <a:xfrm>
+            <a:off x="111967" y="5495730"/>
+            <a:ext cx="989045" cy="601467"/>
+          </a:xfrm>
+          <a:prstGeom prst="rect">
+            <a:avLst/>
+          </a:prstGeom>
           <a:noFill/>
-          <a:extLst>
-            <a:ext uri="{909E8E84-426E-40DD-AFC4-6F175D3DCCD1}">
-              <a14:hiddenFill xmlns:a14="http://schemas.microsoft.com/office/drawing/2010/main">
-                <a:solidFill>
-                  <a:srgbClr val="FFFFFF"/>
-                </a:solidFill>
-              </a14:hiddenFill>
-            </a:ext>
-          </a:extLst>
-        </p:spPr>
-      </p:pic>
+        </p:spPr>
+        <p:style>
+          <a:lnRef idx="2">
+            <a:schemeClr val="accent1">
+              <a:shade val="50000"/>
+            </a:schemeClr>
+          </a:lnRef>
+          <a:fillRef idx="1">
+            <a:schemeClr val="accent1"/>
+          </a:fillRef>
+          <a:effectRef idx="0">
+            <a:schemeClr val="accent1"/>
+          </a:effectRef>
+          <a:fontRef idx="minor">
+            <a:schemeClr val="lt1"/>
+          </a:fontRef>
+        </p:style>
+        <p:txBody>
+          <a:bodyPr rtlCol="0" anchor="ctr"/>
+          <a:lstStyle/>
+          <a:p>
+            <a:pPr algn="ctr"/>
+            <a:endParaRPr lang="en-GB" dirty="0"/>
+          </a:p>
+        </p:txBody>
+      </p:sp>
+      <p:cxnSp>
+        <p:nvCxnSpPr>
+          <p:cNvPr id="9" name="Straight Arrow Connector 8">
+            <a:extLst>
+              <a:ext uri="{FF2B5EF4-FFF2-40B4-BE49-F238E27FC236}">
+                <a16:creationId xmlns:a16="http://schemas.microsoft.com/office/drawing/2014/main" id="{474DAE40-E05A-4811-BECB-17047832069F}"/>
+              </a:ext>
+            </a:extLst>
+          </p:cNvPr>
+          <p:cNvCxnSpPr>
+            <a:stCxn id="8" idx="3"/>
+          </p:cNvCxnSpPr>
+          <p:nvPr/>
+        </p:nvCxnSpPr>
+        <p:spPr>
+          <a:xfrm flipV="1">
+            <a:off x="1101012" y="5794310"/>
+            <a:ext cx="718458" cy="2154"/>
+          </a:xfrm>
+          <a:prstGeom prst="straightConnector1">
+            <a:avLst/>
+          </a:prstGeom>
+          <a:ln>
+            <a:tailEnd type="triangle"/>
+          </a:ln>
+        </p:spPr>
+        <p:style>
+          <a:lnRef idx="1">
+            <a:schemeClr val="accent1"/>
+          </a:lnRef>
+          <a:fillRef idx="0">
+            <a:schemeClr val="accent1"/>
+          </a:fillRef>
+          <a:effectRef idx="0">
+            <a:schemeClr val="accent1"/>
+          </a:effectRef>
+          <a:fontRef idx="minor">
+            <a:schemeClr val="tx1"/>
+          </a:fontRef>
+        </p:style>
+      </p:cxnSp>
+      <p:sp>
+        <p:nvSpPr>
+          <p:cNvPr id="10" name="TextBox 9">
+            <a:extLst>
+              <a:ext uri="{FF2B5EF4-FFF2-40B4-BE49-F238E27FC236}">
+                <a16:creationId xmlns:a16="http://schemas.microsoft.com/office/drawing/2014/main" id="{9860632D-62EC-40C9-A3F2-F1F12545A066}"/>
+              </a:ext>
+            </a:extLst>
+          </p:cNvPr>
+          <p:cNvSpPr txBox="1"/>
+          <p:nvPr/>
+        </p:nvSpPr>
+        <p:spPr>
+          <a:xfrm>
+            <a:off x="130629" y="5507215"/>
+            <a:ext cx="925284" cy="646331"/>
+          </a:xfrm>
+          <a:prstGeom prst="rect">
+            <a:avLst/>
+          </a:prstGeom>
+          <a:noFill/>
+        </p:spPr>
+        <p:txBody>
+          <a:bodyPr wrap="square" rtlCol="0">
+            <a:spAutoFit/>
+          </a:bodyPr>
+          <a:lstStyle/>
+          <a:p>
+            <a:r>
+              <a:rPr lang="en-GB" dirty="0"/>
+              <a:t>Quality control</a:t>
+            </a:r>
+          </a:p>
+        </p:txBody>
+      </p:sp>
+      <p:sp>
+        <p:nvSpPr>
+          <p:cNvPr id="11" name="Rectangle 10">
+            <a:extLst>
+              <a:ext uri="{FF2B5EF4-FFF2-40B4-BE49-F238E27FC236}">
+                <a16:creationId xmlns:a16="http://schemas.microsoft.com/office/drawing/2014/main" id="{A6AAAC53-9A00-48C8-A208-CD2097ED7F15}"/>
+              </a:ext>
+            </a:extLst>
+          </p:cNvPr>
+          <p:cNvSpPr/>
+          <p:nvPr/>
+        </p:nvSpPr>
+        <p:spPr>
+          <a:xfrm>
+            <a:off x="1813250" y="5480176"/>
+            <a:ext cx="989045" cy="601467"/>
+          </a:xfrm>
+          <a:prstGeom prst="rect">
+            <a:avLst/>
+          </a:prstGeom>
+          <a:noFill/>
+        </p:spPr>
+        <p:style>
+          <a:lnRef idx="2">
+            <a:schemeClr val="accent1">
+              <a:shade val="50000"/>
+            </a:schemeClr>
+          </a:lnRef>
+          <a:fillRef idx="1">
+            <a:schemeClr val="accent1"/>
+          </a:fillRef>
+          <a:effectRef idx="0">
+            <a:schemeClr val="accent1"/>
+          </a:effectRef>
+          <a:fontRef idx="minor">
+            <a:schemeClr val="lt1"/>
+          </a:fontRef>
+        </p:style>
+        <p:txBody>
+          <a:bodyPr rtlCol="0" anchor="ctr"/>
+          <a:lstStyle/>
+          <a:p>
+            <a:pPr algn="ctr"/>
+            <a:endParaRPr lang="en-GB" dirty="0"/>
+          </a:p>
+        </p:txBody>
+      </p:sp>
+      <p:cxnSp>
+        <p:nvCxnSpPr>
+          <p:cNvPr id="12" name="Straight Arrow Connector 11">
+            <a:extLst>
+              <a:ext uri="{FF2B5EF4-FFF2-40B4-BE49-F238E27FC236}">
+                <a16:creationId xmlns:a16="http://schemas.microsoft.com/office/drawing/2014/main" id="{CFF10927-A4A7-494E-A98F-EC7E578AFD05}"/>
+              </a:ext>
+            </a:extLst>
+          </p:cNvPr>
+          <p:cNvCxnSpPr>
+            <a:stCxn id="11" idx="3"/>
+          </p:cNvCxnSpPr>
+          <p:nvPr/>
+        </p:nvCxnSpPr>
+        <p:spPr>
+          <a:xfrm flipV="1">
+            <a:off x="2802295" y="5778756"/>
+            <a:ext cx="718458" cy="2154"/>
+          </a:xfrm>
+          <a:prstGeom prst="straightConnector1">
+            <a:avLst/>
+          </a:prstGeom>
+          <a:ln>
+            <a:tailEnd type="triangle"/>
+          </a:ln>
+        </p:spPr>
+        <p:style>
+          <a:lnRef idx="1">
+            <a:schemeClr val="accent1"/>
+          </a:lnRef>
+          <a:fillRef idx="0">
+            <a:schemeClr val="accent1"/>
+          </a:fillRef>
+          <a:effectRef idx="0">
+            <a:schemeClr val="accent1"/>
+          </a:effectRef>
+          <a:fontRef idx="minor">
+            <a:schemeClr val="tx1"/>
+          </a:fontRef>
+        </p:style>
+      </p:cxnSp>
+      <p:sp>
+        <p:nvSpPr>
+          <p:cNvPr id="13" name="TextBox 12">
+            <a:extLst>
+              <a:ext uri="{FF2B5EF4-FFF2-40B4-BE49-F238E27FC236}">
+                <a16:creationId xmlns:a16="http://schemas.microsoft.com/office/drawing/2014/main" id="{9B65005A-DB95-44F5-8E4A-9B64407CD738}"/>
+              </a:ext>
+            </a:extLst>
+          </p:cNvPr>
+          <p:cNvSpPr txBox="1"/>
+          <p:nvPr/>
+        </p:nvSpPr>
+        <p:spPr>
+          <a:xfrm>
+            <a:off x="1831912" y="5491661"/>
+            <a:ext cx="925284" cy="646331"/>
+          </a:xfrm>
+          <a:prstGeom prst="rect">
+            <a:avLst/>
+          </a:prstGeom>
+          <a:noFill/>
+        </p:spPr>
+        <p:txBody>
+          <a:bodyPr wrap="square" rtlCol="0">
+            <a:spAutoFit/>
+          </a:bodyPr>
+          <a:lstStyle/>
+          <a:p>
+            <a:r>
+              <a:rPr lang="en-GB" dirty="0"/>
+              <a:t>Quality trim</a:t>
+            </a:r>
+          </a:p>
+        </p:txBody>
+      </p:sp>
+      <p:sp>
+        <p:nvSpPr>
+          <p:cNvPr id="14" name="Rectangle 13">
+            <a:extLst>
+              <a:ext uri="{FF2B5EF4-FFF2-40B4-BE49-F238E27FC236}">
+                <a16:creationId xmlns:a16="http://schemas.microsoft.com/office/drawing/2014/main" id="{525D5768-8A9E-4F0A-9A06-5ABAC9658611}"/>
+              </a:ext>
+            </a:extLst>
+          </p:cNvPr>
+          <p:cNvSpPr/>
+          <p:nvPr/>
+        </p:nvSpPr>
+        <p:spPr>
+          <a:xfrm>
+            <a:off x="3558073" y="5470844"/>
+            <a:ext cx="989045" cy="601467"/>
+          </a:xfrm>
+          <a:prstGeom prst="rect">
+            <a:avLst/>
+          </a:prstGeom>
+          <a:noFill/>
+        </p:spPr>
+        <p:style>
+          <a:lnRef idx="2">
+            <a:schemeClr val="accent1">
+              <a:shade val="50000"/>
+            </a:schemeClr>
+          </a:lnRef>
+          <a:fillRef idx="1">
+            <a:schemeClr val="accent1"/>
+          </a:fillRef>
+          <a:effectRef idx="0">
+            <a:schemeClr val="accent1"/>
+          </a:effectRef>
+          <a:fontRef idx="minor">
+            <a:schemeClr val="lt1"/>
+          </a:fontRef>
+        </p:style>
+        <p:txBody>
+          <a:bodyPr rtlCol="0" anchor="ctr"/>
+          <a:lstStyle/>
+          <a:p>
+            <a:pPr algn="ctr"/>
+            <a:endParaRPr lang="en-GB" dirty="0"/>
+          </a:p>
+        </p:txBody>
+      </p:sp>
+      <p:cxnSp>
+        <p:nvCxnSpPr>
+          <p:cNvPr id="15" name="Straight Arrow Connector 14">
+            <a:extLst>
+              <a:ext uri="{FF2B5EF4-FFF2-40B4-BE49-F238E27FC236}">
+                <a16:creationId xmlns:a16="http://schemas.microsoft.com/office/drawing/2014/main" id="{7654608C-642A-426B-819E-A9A238AF677A}"/>
+              </a:ext>
+            </a:extLst>
+          </p:cNvPr>
+          <p:cNvCxnSpPr>
+            <a:stCxn id="14" idx="3"/>
+          </p:cNvCxnSpPr>
+          <p:nvPr/>
+        </p:nvCxnSpPr>
+        <p:spPr>
+          <a:xfrm flipV="1">
+            <a:off x="4547118" y="5769424"/>
+            <a:ext cx="718458" cy="2154"/>
+          </a:xfrm>
+          <a:prstGeom prst="straightConnector1">
+            <a:avLst/>
+          </a:prstGeom>
+          <a:ln>
+            <a:tailEnd type="triangle"/>
+          </a:ln>
+        </p:spPr>
+        <p:style>
+          <a:lnRef idx="1">
+            <a:schemeClr val="accent1"/>
+          </a:lnRef>
+          <a:fillRef idx="0">
+            <a:schemeClr val="accent1"/>
+          </a:fillRef>
+          <a:effectRef idx="0">
+            <a:schemeClr val="accent1"/>
+          </a:effectRef>
+          <a:fontRef idx="minor">
+            <a:schemeClr val="tx1"/>
+          </a:fontRef>
+        </p:style>
+      </p:cxnSp>
+      <p:sp>
+        <p:nvSpPr>
+          <p:cNvPr id="16" name="TextBox 15">
+            <a:extLst>
+              <a:ext uri="{FF2B5EF4-FFF2-40B4-BE49-F238E27FC236}">
+                <a16:creationId xmlns:a16="http://schemas.microsoft.com/office/drawing/2014/main" id="{43DA29CA-A30E-468C-8C6B-F6B77B9384B5}"/>
+              </a:ext>
+            </a:extLst>
+          </p:cNvPr>
+          <p:cNvSpPr txBox="1"/>
+          <p:nvPr/>
+        </p:nvSpPr>
+        <p:spPr>
+          <a:xfrm>
+            <a:off x="3576735" y="5482329"/>
+            <a:ext cx="925284" cy="646331"/>
+          </a:xfrm>
+          <a:prstGeom prst="rect">
+            <a:avLst/>
+          </a:prstGeom>
+          <a:noFill/>
+        </p:spPr>
+        <p:txBody>
+          <a:bodyPr wrap="square" rtlCol="0">
+            <a:spAutoFit/>
+          </a:bodyPr>
+          <a:lstStyle/>
+          <a:p>
+            <a:r>
+              <a:rPr lang="en-GB" dirty="0"/>
+              <a:t>Quality control</a:t>
+            </a:r>
+          </a:p>
+        </p:txBody>
+      </p:sp>
+      <p:sp>
+        <p:nvSpPr>
+          <p:cNvPr id="17" name="Rectangle 16">
+            <a:extLst>
+              <a:ext uri="{FF2B5EF4-FFF2-40B4-BE49-F238E27FC236}">
+                <a16:creationId xmlns:a16="http://schemas.microsoft.com/office/drawing/2014/main" id="{D87E3B06-3511-484A-A1F2-F23549CA58F1}"/>
+              </a:ext>
+            </a:extLst>
+          </p:cNvPr>
+          <p:cNvSpPr/>
+          <p:nvPr/>
+        </p:nvSpPr>
+        <p:spPr>
+          <a:xfrm>
+            <a:off x="5274908" y="5452183"/>
+            <a:ext cx="1331165" cy="1336195"/>
+          </a:xfrm>
+          <a:prstGeom prst="rect">
+            <a:avLst/>
+          </a:prstGeom>
+          <a:noFill/>
+        </p:spPr>
+        <p:style>
+          <a:lnRef idx="2">
+            <a:schemeClr val="accent1">
+              <a:shade val="50000"/>
+            </a:schemeClr>
+          </a:lnRef>
+          <a:fillRef idx="1">
+            <a:schemeClr val="accent1"/>
+          </a:fillRef>
+          <a:effectRef idx="0">
+            <a:schemeClr val="accent1"/>
+          </a:effectRef>
+          <a:fontRef idx="minor">
+            <a:schemeClr val="lt1"/>
+          </a:fontRef>
+        </p:style>
+        <p:txBody>
+          <a:bodyPr rtlCol="0" anchor="ctr"/>
+          <a:lstStyle/>
+          <a:p>
+            <a:pPr algn="ctr"/>
+            <a:endParaRPr lang="en-GB" dirty="0"/>
+          </a:p>
+        </p:txBody>
+      </p:sp>
+      <p:sp>
+        <p:nvSpPr>
+          <p:cNvPr id="18" name="TextBox 17">
+            <a:extLst>
+              <a:ext uri="{FF2B5EF4-FFF2-40B4-BE49-F238E27FC236}">
+                <a16:creationId xmlns:a16="http://schemas.microsoft.com/office/drawing/2014/main" id="{29200320-DF1A-47A2-A5DC-31DC8930794C}"/>
+              </a:ext>
+            </a:extLst>
+          </p:cNvPr>
+          <p:cNvSpPr txBox="1"/>
+          <p:nvPr/>
+        </p:nvSpPr>
+        <p:spPr>
+          <a:xfrm>
+            <a:off x="5274907" y="5491661"/>
+            <a:ext cx="1424473" cy="1354217"/>
+          </a:xfrm>
+          <a:prstGeom prst="rect">
+            <a:avLst/>
+          </a:prstGeom>
+          <a:noFill/>
+        </p:spPr>
+        <p:txBody>
+          <a:bodyPr wrap="square" rtlCol="0">
+            <a:spAutoFit/>
+          </a:bodyPr>
+          <a:lstStyle/>
+          <a:p>
+            <a:r>
+              <a:rPr lang="en-GB" b="1" dirty="0">
+                <a:highlight>
+                  <a:srgbClr val="FFFF00"/>
+                </a:highlight>
+              </a:rPr>
+              <a:t>Assemble </a:t>
+            </a:r>
+            <a:r>
+              <a:rPr lang="en-GB" sz="1600" b="1" dirty="0">
+                <a:highlight>
+                  <a:srgbClr val="FFFF00"/>
+                </a:highlight>
+              </a:rPr>
+              <a:t>(different </a:t>
+            </a:r>
+            <a:r>
+              <a:rPr lang="en-GB" sz="1600" b="1" dirty="0" err="1">
+                <a:highlight>
+                  <a:srgbClr val="FFFF00"/>
+                </a:highlight>
+              </a:rPr>
+              <a:t>kmers</a:t>
+            </a:r>
+            <a:r>
+              <a:rPr lang="en-GB" sz="1600" b="1" dirty="0">
+                <a:highlight>
+                  <a:srgbClr val="FFFF00"/>
+                </a:highlight>
+              </a:rPr>
+              <a:t>, different tools)</a:t>
+            </a:r>
+            <a:endParaRPr lang="en-GB" b="1" dirty="0">
+              <a:highlight>
+                <a:srgbClr val="FFFF00"/>
+              </a:highlight>
+            </a:endParaRPr>
+          </a:p>
+        </p:txBody>
+      </p:sp>
+      <p:cxnSp>
+        <p:nvCxnSpPr>
+          <p:cNvPr id="19" name="Straight Arrow Connector 18">
+            <a:extLst>
+              <a:ext uri="{FF2B5EF4-FFF2-40B4-BE49-F238E27FC236}">
+                <a16:creationId xmlns:a16="http://schemas.microsoft.com/office/drawing/2014/main" id="{75A7CAAA-8F50-4829-AF21-AB7481E8C633}"/>
+              </a:ext>
+            </a:extLst>
+          </p:cNvPr>
+          <p:cNvCxnSpPr/>
+          <p:nvPr/>
+        </p:nvCxnSpPr>
+        <p:spPr>
+          <a:xfrm flipV="1">
+            <a:off x="6627848" y="5769424"/>
+            <a:ext cx="718458" cy="2154"/>
+          </a:xfrm>
+          <a:prstGeom prst="straightConnector1">
+            <a:avLst/>
+          </a:prstGeom>
+          <a:ln>
+            <a:tailEnd type="triangle"/>
+          </a:ln>
+        </p:spPr>
+        <p:style>
+          <a:lnRef idx="1">
+            <a:schemeClr val="accent1"/>
+          </a:lnRef>
+          <a:fillRef idx="0">
+            <a:schemeClr val="accent1"/>
+          </a:fillRef>
+          <a:effectRef idx="0">
+            <a:schemeClr val="accent1"/>
+          </a:effectRef>
+          <a:fontRef idx="minor">
+            <a:schemeClr val="tx1"/>
+          </a:fontRef>
+        </p:style>
+      </p:cxnSp>
+      <p:sp>
+        <p:nvSpPr>
+          <p:cNvPr id="20" name="Rectangle 19">
+            <a:extLst>
+              <a:ext uri="{FF2B5EF4-FFF2-40B4-BE49-F238E27FC236}">
+                <a16:creationId xmlns:a16="http://schemas.microsoft.com/office/drawing/2014/main" id="{01156417-6866-4E76-AC99-3B12BB646681}"/>
+              </a:ext>
+            </a:extLst>
+          </p:cNvPr>
+          <p:cNvSpPr/>
+          <p:nvPr/>
+        </p:nvSpPr>
+        <p:spPr>
+          <a:xfrm>
+            <a:off x="7327644" y="5459659"/>
+            <a:ext cx="989045" cy="601467"/>
+          </a:xfrm>
+          <a:prstGeom prst="rect">
+            <a:avLst/>
+          </a:prstGeom>
+          <a:noFill/>
+        </p:spPr>
+        <p:style>
+          <a:lnRef idx="2">
+            <a:schemeClr val="accent1">
+              <a:shade val="50000"/>
+            </a:schemeClr>
+          </a:lnRef>
+          <a:fillRef idx="1">
+            <a:schemeClr val="accent1"/>
+          </a:fillRef>
+          <a:effectRef idx="0">
+            <a:schemeClr val="accent1"/>
+          </a:effectRef>
+          <a:fontRef idx="minor">
+            <a:schemeClr val="lt1"/>
+          </a:fontRef>
+        </p:style>
+        <p:txBody>
+          <a:bodyPr rtlCol="0" anchor="ctr"/>
+          <a:lstStyle/>
+          <a:p>
+            <a:pPr algn="ctr"/>
+            <a:endParaRPr lang="en-GB" dirty="0"/>
+          </a:p>
+        </p:txBody>
+      </p:sp>
+      <p:cxnSp>
+        <p:nvCxnSpPr>
+          <p:cNvPr id="21" name="Straight Arrow Connector 20">
+            <a:extLst>
+              <a:ext uri="{FF2B5EF4-FFF2-40B4-BE49-F238E27FC236}">
+                <a16:creationId xmlns:a16="http://schemas.microsoft.com/office/drawing/2014/main" id="{C2E3C1AD-EE3D-42A2-9A7A-B50C54823248}"/>
+              </a:ext>
+            </a:extLst>
+          </p:cNvPr>
+          <p:cNvCxnSpPr>
+            <a:stCxn id="20" idx="3"/>
+          </p:cNvCxnSpPr>
+          <p:nvPr/>
+        </p:nvCxnSpPr>
+        <p:spPr>
+          <a:xfrm flipV="1">
+            <a:off x="8316689" y="5758239"/>
+            <a:ext cx="718458" cy="2154"/>
+          </a:xfrm>
+          <a:prstGeom prst="straightConnector1">
+            <a:avLst/>
+          </a:prstGeom>
+          <a:ln>
+            <a:tailEnd type="triangle"/>
+          </a:ln>
+        </p:spPr>
+        <p:style>
+          <a:lnRef idx="1">
+            <a:schemeClr val="accent1"/>
+          </a:lnRef>
+          <a:fillRef idx="0">
+            <a:schemeClr val="accent1"/>
+          </a:fillRef>
+          <a:effectRef idx="0">
+            <a:schemeClr val="accent1"/>
+          </a:effectRef>
+          <a:fontRef idx="minor">
+            <a:schemeClr val="tx1"/>
+          </a:fontRef>
+        </p:style>
+      </p:cxnSp>
+      <p:sp>
+        <p:nvSpPr>
+          <p:cNvPr id="22" name="TextBox 21">
+            <a:extLst>
+              <a:ext uri="{FF2B5EF4-FFF2-40B4-BE49-F238E27FC236}">
+                <a16:creationId xmlns:a16="http://schemas.microsoft.com/office/drawing/2014/main" id="{9E0FCF11-17F3-4EF6-A6BC-1CE870512C8D}"/>
+              </a:ext>
+            </a:extLst>
+          </p:cNvPr>
+          <p:cNvSpPr txBox="1"/>
+          <p:nvPr/>
+        </p:nvSpPr>
+        <p:spPr>
+          <a:xfrm>
+            <a:off x="7346306" y="5471144"/>
+            <a:ext cx="925284" cy="646331"/>
+          </a:xfrm>
+          <a:prstGeom prst="rect">
+            <a:avLst/>
+          </a:prstGeom>
+          <a:noFill/>
+        </p:spPr>
+        <p:txBody>
+          <a:bodyPr wrap="square" rtlCol="0">
+            <a:spAutoFit/>
+          </a:bodyPr>
+          <a:lstStyle/>
+          <a:p>
+            <a:r>
+              <a:rPr lang="en-GB" dirty="0"/>
+              <a:t>Predict genes</a:t>
+            </a:r>
+          </a:p>
+        </p:txBody>
+      </p:sp>
+      <p:sp>
+        <p:nvSpPr>
+          <p:cNvPr id="23" name="Rectangle 22">
+            <a:extLst>
+              <a:ext uri="{FF2B5EF4-FFF2-40B4-BE49-F238E27FC236}">
+                <a16:creationId xmlns:a16="http://schemas.microsoft.com/office/drawing/2014/main" id="{86567705-5253-4A89-98A0-1507FFF85237}"/>
+              </a:ext>
+            </a:extLst>
+          </p:cNvPr>
+          <p:cNvSpPr/>
+          <p:nvPr/>
+        </p:nvSpPr>
+        <p:spPr>
+          <a:xfrm>
+            <a:off x="9035147" y="5452183"/>
+            <a:ext cx="989045" cy="1327579"/>
+          </a:xfrm>
+          <a:prstGeom prst="rect">
+            <a:avLst/>
+          </a:prstGeom>
+          <a:noFill/>
+        </p:spPr>
+        <p:style>
+          <a:lnRef idx="2">
+            <a:schemeClr val="accent1">
+              <a:shade val="50000"/>
+            </a:schemeClr>
+          </a:lnRef>
+          <a:fillRef idx="1">
+            <a:schemeClr val="accent1"/>
+          </a:fillRef>
+          <a:effectRef idx="0">
+            <a:schemeClr val="accent1"/>
+          </a:effectRef>
+          <a:fontRef idx="minor">
+            <a:schemeClr val="lt1"/>
+          </a:fontRef>
+        </p:style>
+        <p:txBody>
+          <a:bodyPr rtlCol="0" anchor="ctr"/>
+          <a:lstStyle/>
+          <a:p>
+            <a:pPr algn="ctr"/>
+            <a:endParaRPr lang="en-GB" dirty="0"/>
+          </a:p>
+        </p:txBody>
+      </p:sp>
+      <p:sp>
+        <p:nvSpPr>
+          <p:cNvPr id="24" name="TextBox 23">
+            <a:extLst>
+              <a:ext uri="{FF2B5EF4-FFF2-40B4-BE49-F238E27FC236}">
+                <a16:creationId xmlns:a16="http://schemas.microsoft.com/office/drawing/2014/main" id="{98163BF6-A4B1-4817-A48F-1E8C5F247C00}"/>
+              </a:ext>
+            </a:extLst>
+          </p:cNvPr>
+          <p:cNvSpPr txBox="1"/>
+          <p:nvPr/>
+        </p:nvSpPr>
+        <p:spPr>
+          <a:xfrm>
+            <a:off x="9186770" y="5515807"/>
+            <a:ext cx="925284" cy="1200329"/>
+          </a:xfrm>
+          <a:prstGeom prst="rect">
+            <a:avLst/>
+          </a:prstGeom>
+          <a:noFill/>
+        </p:spPr>
+        <p:txBody>
+          <a:bodyPr wrap="square" rtlCol="0">
+            <a:spAutoFit/>
+          </a:bodyPr>
+          <a:lstStyle/>
+          <a:p>
+            <a:r>
+              <a:rPr lang="en-GB" sz="1200" dirty="0"/>
+              <a:t>Draw a genome diagram with the genes marked</a:t>
+            </a:r>
+          </a:p>
+        </p:txBody>
+      </p:sp>
+      <p:cxnSp>
+        <p:nvCxnSpPr>
+          <p:cNvPr id="25" name="Connector: Elbow 24">
+            <a:extLst>
+              <a:ext uri="{FF2B5EF4-FFF2-40B4-BE49-F238E27FC236}">
+                <a16:creationId xmlns:a16="http://schemas.microsoft.com/office/drawing/2014/main" id="{43208CC6-FB87-4F19-95C3-39AEDA7E42D5}"/>
+              </a:ext>
+            </a:extLst>
+          </p:cNvPr>
+          <p:cNvCxnSpPr>
+            <a:cxnSpLocks/>
+          </p:cNvCxnSpPr>
+          <p:nvPr/>
+        </p:nvCxnSpPr>
+        <p:spPr>
+          <a:xfrm flipV="1">
+            <a:off x="5987143" y="4516016"/>
+            <a:ext cx="2802294" cy="879820"/>
+          </a:xfrm>
+          <a:prstGeom prst="bentConnector3">
+            <a:avLst>
+              <a:gd name="adj1" fmla="val -943"/>
+            </a:avLst>
+          </a:prstGeom>
+          <a:ln>
+            <a:tailEnd type="triangle"/>
+          </a:ln>
+        </p:spPr>
+        <p:style>
+          <a:lnRef idx="1">
+            <a:schemeClr val="accent1"/>
+          </a:lnRef>
+          <a:fillRef idx="0">
+            <a:schemeClr val="accent1"/>
+          </a:fillRef>
+          <a:effectRef idx="0">
+            <a:schemeClr val="accent1"/>
+          </a:effectRef>
+          <a:fontRef idx="minor">
+            <a:schemeClr val="tx1"/>
+          </a:fontRef>
+        </p:style>
+      </p:cxnSp>
+      <p:sp>
+        <p:nvSpPr>
+          <p:cNvPr id="26" name="Rectangle 25">
+            <a:extLst>
+              <a:ext uri="{FF2B5EF4-FFF2-40B4-BE49-F238E27FC236}">
+                <a16:creationId xmlns:a16="http://schemas.microsoft.com/office/drawing/2014/main" id="{2E35272E-C195-4B4F-87EB-5BFB29C4B407}"/>
+              </a:ext>
+            </a:extLst>
+          </p:cNvPr>
+          <p:cNvSpPr/>
+          <p:nvPr/>
+        </p:nvSpPr>
+        <p:spPr>
+          <a:xfrm>
+            <a:off x="8789435" y="4231775"/>
+            <a:ext cx="989045" cy="601467"/>
+          </a:xfrm>
+          <a:prstGeom prst="rect">
+            <a:avLst/>
+          </a:prstGeom>
+          <a:noFill/>
+        </p:spPr>
+        <p:style>
+          <a:lnRef idx="2">
+            <a:schemeClr val="accent1">
+              <a:shade val="50000"/>
+            </a:schemeClr>
+          </a:lnRef>
+          <a:fillRef idx="1">
+            <a:schemeClr val="accent1"/>
+          </a:fillRef>
+          <a:effectRef idx="0">
+            <a:schemeClr val="accent1"/>
+          </a:effectRef>
+          <a:fontRef idx="minor">
+            <a:schemeClr val="lt1"/>
+          </a:fontRef>
+        </p:style>
+        <p:txBody>
+          <a:bodyPr rtlCol="0" anchor="ctr"/>
+          <a:lstStyle/>
+          <a:p>
+            <a:pPr algn="ctr"/>
+            <a:endParaRPr lang="en-GB" dirty="0"/>
+          </a:p>
+        </p:txBody>
+      </p:sp>
+      <p:sp>
+        <p:nvSpPr>
+          <p:cNvPr id="27" name="TextBox 26">
+            <a:extLst>
+              <a:ext uri="{FF2B5EF4-FFF2-40B4-BE49-F238E27FC236}">
+                <a16:creationId xmlns:a16="http://schemas.microsoft.com/office/drawing/2014/main" id="{DFC1A67C-5A4C-4815-9E70-BA70CA901ADA}"/>
+              </a:ext>
+            </a:extLst>
+          </p:cNvPr>
+          <p:cNvSpPr txBox="1"/>
+          <p:nvPr/>
+        </p:nvSpPr>
+        <p:spPr>
+          <a:xfrm>
+            <a:off x="8808097" y="4243260"/>
+            <a:ext cx="925284" cy="646331"/>
+          </a:xfrm>
+          <a:prstGeom prst="rect">
+            <a:avLst/>
+          </a:prstGeom>
+          <a:noFill/>
+        </p:spPr>
+        <p:txBody>
+          <a:bodyPr wrap="square" rtlCol="0">
+            <a:spAutoFit/>
+          </a:bodyPr>
+          <a:lstStyle/>
+          <a:p>
+            <a:r>
+              <a:rPr lang="en-GB" dirty="0"/>
+              <a:t>BLAST: identify</a:t>
+            </a:r>
+          </a:p>
+        </p:txBody>
+      </p:sp>
     </p:spTree>
     <p:extLst>
       <p:ext uri="{BB962C8B-B14F-4D97-AF65-F5344CB8AC3E}">
-        <p14:creationId xmlns:p14="http://schemas.microsoft.com/office/powerpoint/2010/main" val="1779642365"/>
+        <p14:creationId xmlns:p14="http://schemas.microsoft.com/office/powerpoint/2010/main" val="2902689966"/>
       </p:ext>
     </p:extLst>
   </p:cSld>
@@ -14474,7 +14708,7 @@
         </p:spPr>
         <p:txBody>
           <a:bodyPr>
-            <a:normAutofit lnSpcReduction="10000"/>
+            <a:normAutofit/>
           </a:bodyPr>
           <a:lstStyle/>
           <a:p>
@@ -14482,229 +14716,34 @@
               <a:buNone/>
             </a:pPr>
             <a:r>
-              <a:rPr lang="en-GB" dirty="0">
-                <a:hlinkClick r:id="rId2"/>
-              </a:rPr>
-              <a:t>https://en.wikipedia.org/wiki/Velvet_assembler</a:t>
-            </a:r>
-            <a:r>
               <a:rPr lang="en-GB" dirty="0"/>
-              <a:t> </a:t>
+              <a:t>What is a </a:t>
+            </a:r>
+            <a:r>
+              <a:rPr lang="en-GB" dirty="0" err="1"/>
+              <a:t>kmer</a:t>
+            </a:r>
+            <a:r>
+              <a:rPr lang="en-GB" dirty="0"/>
+              <a:t> (“split the sequence” into “</a:t>
+            </a:r>
+            <a:r>
+              <a:rPr lang="en-GB" dirty="0" err="1"/>
+              <a:t>kmer_length</a:t>
+            </a:r>
+            <a:r>
+              <a:rPr lang="en-GB" dirty="0"/>
+              <a:t>” chunks):</a:t>
             </a:r>
           </a:p>
           <a:p>
             <a:pPr marL="0" indent="0">
               <a:buNone/>
             </a:pPr>
-            <a:endParaRPr lang="en-GB" dirty="0"/>
-          </a:p>
-          <a:p>
-            <a:pPr marL="0" indent="0">
-              <a:buNone/>
-            </a:pPr>
             <a:r>
               <a:rPr lang="en-GB" dirty="0"/>
-              <a:t>Edit this: </a:t>
-            </a:r>
-            <a:r>
-              <a:rPr lang="en-GB" dirty="0">
-                <a:solidFill>
-                  <a:srgbClr val="0070C0"/>
-                </a:solidFill>
-              </a:rPr>
-              <a:t>assembly.sh</a:t>
-            </a:r>
-            <a:endParaRPr lang="en-GB" dirty="0"/>
-          </a:p>
-          <a:p>
-            <a:pPr marL="0" indent="0">
-              <a:buNone/>
-            </a:pPr>
-            <a:endParaRPr lang="en-GB" dirty="0"/>
-          </a:p>
-          <a:p>
-            <a:pPr marL="0" indent="0">
-              <a:buNone/>
-            </a:pPr>
-            <a:r>
-              <a:rPr lang="en-GB" sz="2400" dirty="0" err="1">
-                <a:solidFill>
-                  <a:srgbClr val="0070C0"/>
-                </a:solidFill>
-              </a:rPr>
-              <a:t>velveth</a:t>
-            </a:r>
-            <a:r>
-              <a:rPr lang="en-GB" sz="2400" dirty="0">
-                <a:solidFill>
-                  <a:srgbClr val="0070C0"/>
-                </a:solidFill>
-              </a:rPr>
-              <a:t> -h </a:t>
-            </a:r>
-          </a:p>
-          <a:p>
-            <a:pPr marL="0" indent="0">
-              <a:buNone/>
-            </a:pPr>
-            <a:r>
-              <a:rPr lang="en-GB" sz="2400" dirty="0" err="1">
-                <a:solidFill>
-                  <a:srgbClr val="0070C0"/>
-                </a:solidFill>
-              </a:rPr>
-              <a:t>velveth</a:t>
-            </a:r>
-            <a:r>
-              <a:rPr lang="en-GB" sz="2400" dirty="0">
-                <a:solidFill>
-                  <a:srgbClr val="0070C0"/>
-                </a:solidFill>
-              </a:rPr>
-              <a:t> directory </a:t>
-            </a:r>
-            <a:r>
-              <a:rPr lang="en-GB" sz="2400" i="1" dirty="0" err="1">
-                <a:solidFill>
-                  <a:srgbClr val="FF0000"/>
-                </a:solidFill>
-              </a:rPr>
-              <a:t>kmer_length</a:t>
-            </a:r>
-            <a:r>
-              <a:rPr lang="en-GB" sz="2400" i="1" dirty="0">
-                <a:solidFill>
-                  <a:srgbClr val="FF0000"/>
-                </a:solidFill>
-              </a:rPr>
-              <a:t> </a:t>
-            </a:r>
-            <a:r>
-              <a:rPr lang="en-GB" sz="2400" dirty="0">
-                <a:solidFill>
-                  <a:srgbClr val="0070C0"/>
-                </a:solidFill>
-              </a:rPr>
-              <a:t>-</a:t>
-            </a:r>
-            <a:r>
-              <a:rPr lang="en-GB" sz="2400" dirty="0" err="1">
-                <a:solidFill>
-                  <a:srgbClr val="0070C0"/>
-                </a:solidFill>
-              </a:rPr>
-              <a:t>shortPaired</a:t>
-            </a:r>
-            <a:r>
-              <a:rPr lang="en-GB" sz="2400" dirty="0">
-                <a:solidFill>
-                  <a:srgbClr val="0070C0"/>
-                </a:solidFill>
-              </a:rPr>
-              <a:t> -</a:t>
-            </a:r>
-            <a:r>
-              <a:rPr lang="en-GB" sz="2400" dirty="0" err="1">
-                <a:solidFill>
-                  <a:srgbClr val="0070C0"/>
-                </a:solidFill>
-              </a:rPr>
-              <a:t>fastq</a:t>
-            </a:r>
-            <a:r>
-              <a:rPr lang="en-GB" sz="2400" dirty="0">
-                <a:solidFill>
-                  <a:srgbClr val="0070C0"/>
-                </a:solidFill>
-              </a:rPr>
-              <a:t> R1.fastq.gz R2.fastq.gz</a:t>
-            </a:r>
-            <a:endParaRPr lang="en-GB" dirty="0">
-              <a:solidFill>
-                <a:srgbClr val="0070C0"/>
-              </a:solidFill>
-            </a:endParaRPr>
-          </a:p>
-          <a:p>
-            <a:pPr marL="0" indent="0">
-              <a:buNone/>
-            </a:pPr>
-            <a:r>
-              <a:rPr lang="en-GB" sz="2400" dirty="0" err="1">
-                <a:solidFill>
-                  <a:srgbClr val="0070C0"/>
-                </a:solidFill>
-              </a:rPr>
-              <a:t>velvetg</a:t>
-            </a:r>
-            <a:r>
-              <a:rPr lang="en-GB" sz="2400" dirty="0">
-                <a:solidFill>
-                  <a:srgbClr val="0070C0"/>
-                </a:solidFill>
-              </a:rPr>
-              <a:t> directory</a:t>
-            </a:r>
-          </a:p>
-          <a:p>
-            <a:pPr marL="0" indent="0">
-              <a:buNone/>
-            </a:pPr>
-            <a:endParaRPr lang="en-GB" dirty="0">
-              <a:solidFill>
-                <a:srgbClr val="0070C0"/>
-              </a:solidFill>
-            </a:endParaRPr>
-          </a:p>
-          <a:p>
-            <a:pPr marL="0" indent="0">
-              <a:buNone/>
-            </a:pPr>
-            <a:r>
-              <a:rPr lang="en-GB" dirty="0"/>
-              <a:t>Do this with : </a:t>
-            </a:r>
-          </a:p>
-          <a:p>
-            <a:pPr marL="0" indent="0">
-              <a:buNone/>
-            </a:pPr>
-            <a:r>
-              <a:rPr lang="en-GB" dirty="0"/>
-              <a:t>      1) the raw reads</a:t>
-            </a:r>
-          </a:p>
-          <a:p>
-            <a:pPr marL="0" indent="0">
-              <a:buNone/>
-            </a:pPr>
-            <a:r>
-              <a:rPr lang="en-GB" dirty="0"/>
-              <a:t>      2) the quality trimmed reads … does this impact the assembly?</a:t>
-            </a:r>
-          </a:p>
-          <a:p>
-            <a:pPr marL="0" indent="0">
-              <a:buNone/>
-            </a:pPr>
-            <a:r>
-              <a:rPr lang="en-GB" dirty="0"/>
-              <a:t>Alter the </a:t>
-            </a:r>
-            <a:r>
-              <a:rPr lang="en-GB" dirty="0" err="1"/>
-              <a:t>kmer</a:t>
-            </a:r>
-            <a:r>
-              <a:rPr lang="en-GB" dirty="0"/>
-              <a:t> value if you wish. (must be odd)</a:t>
-            </a:r>
-          </a:p>
-          <a:p>
-            <a:pPr marL="0" indent="0">
-              <a:buNone/>
-            </a:pPr>
-            <a:endParaRPr lang="en-GB" dirty="0"/>
+              <a:t>There is an extra presentation here explaining this more and lots of resources online. We will not dwell on this due to time limitations. </a:t>
+            </a:r>
           </a:p>
         </p:txBody>
       </p:sp>
@@ -14758,96 +14797,57 @@
           </a:p>
         </p:txBody>
       </p:sp>
-      <p:sp>
-        <p:nvSpPr>
-          <p:cNvPr id="5" name="Rectangle 4">
-            <a:extLst>
-              <a:ext uri="{FF2B5EF4-FFF2-40B4-BE49-F238E27FC236}">
-                <a16:creationId xmlns:a16="http://schemas.microsoft.com/office/drawing/2014/main" id="{E9D8677A-EC6E-4594-B308-933335FCDF90}"/>
-              </a:ext>
-            </a:extLst>
-          </p:cNvPr>
-          <p:cNvSpPr/>
-          <p:nvPr/>
-        </p:nvSpPr>
-        <p:spPr>
-          <a:xfrm>
-            <a:off x="139700" y="2586692"/>
-            <a:ext cx="10833100" cy="1692009"/>
+      <p:pic>
+        <p:nvPicPr>
+          <p:cNvPr id="1028" name="Picture 4" descr="https://upload.wikimedia.org/wikipedia/commons/thumb/5/53/K-mer-example.png/500px-K-mer-example.png">
+            <a:extLst>
+              <a:ext uri="{FF2B5EF4-FFF2-40B4-BE49-F238E27FC236}">
+                <a16:creationId xmlns:a16="http://schemas.microsoft.com/office/drawing/2014/main" id="{7BA751DF-0E60-4B3A-AEBF-CB4520EF8C52}"/>
+              </a:ext>
+            </a:extLst>
+          </p:cNvPr>
+          <p:cNvPicPr>
+            <a:picLocks noChangeAspect="1" noChangeArrowheads="1"/>
+          </p:cNvPicPr>
+          <p:nvPr/>
+        </p:nvPicPr>
+        <p:blipFill>
+          <a:blip r:embed="rId2">
+            <a:extLst>
+              <a:ext uri="{28A0092B-C50C-407E-A947-70E740481C1C}">
+                <a14:useLocalDpi xmlns:a14="http://schemas.microsoft.com/office/drawing/2010/main" val="0"/>
+              </a:ext>
+            </a:extLst>
+          </a:blip>
+          <a:srcRect/>
+          <a:stretch>
+            <a:fillRect/>
+          </a:stretch>
+        </p:blipFill>
+        <p:spPr bwMode="auto">
+          <a:xfrm>
+            <a:off x="2040646" y="2893233"/>
+            <a:ext cx="7208667" cy="3964767"/>
           </a:xfrm>
           <a:prstGeom prst="rect">
             <a:avLst/>
           </a:prstGeom>
           <a:noFill/>
-        </p:spPr>
-        <p:style>
-          <a:lnRef idx="2">
-            <a:schemeClr val="accent1">
-              <a:shade val="50000"/>
-            </a:schemeClr>
-          </a:lnRef>
-          <a:fillRef idx="1">
-            <a:schemeClr val="accent1"/>
-          </a:fillRef>
-          <a:effectRef idx="0">
-            <a:schemeClr val="accent1"/>
-          </a:effectRef>
-          <a:fontRef idx="minor">
-            <a:schemeClr val="lt1"/>
-          </a:fontRef>
-        </p:style>
-        <p:txBody>
-          <a:bodyPr rtlCol="0" anchor="ctr"/>
-          <a:lstStyle/>
-          <a:p>
-            <a:pPr algn="ctr"/>
-            <a:endParaRPr lang="en-GB" dirty="0"/>
-          </a:p>
-        </p:txBody>
-      </p:sp>
-      <p:cxnSp>
-        <p:nvCxnSpPr>
-          <p:cNvPr id="7" name="Straight Arrow Connector 6">
-            <a:extLst>
-              <a:ext uri="{FF2B5EF4-FFF2-40B4-BE49-F238E27FC236}">
-                <a16:creationId xmlns:a16="http://schemas.microsoft.com/office/drawing/2014/main" id="{53B77B7E-C721-44DD-8EAB-7A5E8955E0BC}"/>
-              </a:ext>
-            </a:extLst>
-          </p:cNvPr>
-          <p:cNvCxnSpPr/>
-          <p:nvPr/>
-        </p:nvCxnSpPr>
-        <p:spPr>
-          <a:xfrm flipH="1">
-            <a:off x="3320249" y="2237173"/>
-            <a:ext cx="213064" cy="896644"/>
-          </a:xfrm>
-          <a:prstGeom prst="straightConnector1">
-            <a:avLst/>
-          </a:prstGeom>
-          <a:ln>
-            <a:tailEnd type="triangle"/>
-          </a:ln>
-        </p:spPr>
-        <p:style>
-          <a:lnRef idx="1">
-            <a:schemeClr val="accent1"/>
-          </a:lnRef>
-          <a:fillRef idx="0">
-            <a:schemeClr val="accent1"/>
-          </a:fillRef>
-          <a:effectRef idx="0">
-            <a:schemeClr val="accent1"/>
-          </a:effectRef>
-          <a:fontRef idx="minor">
-            <a:schemeClr val="tx1"/>
-          </a:fontRef>
-        </p:style>
-      </p:cxnSp>
+          <a:extLst>
+            <a:ext uri="{909E8E84-426E-40DD-AFC4-6F175D3DCCD1}">
+              <a14:hiddenFill xmlns:a14="http://schemas.microsoft.com/office/drawing/2010/main">
+                <a:solidFill>
+                  <a:srgbClr val="FFFFFF"/>
+                </a:solidFill>
+              </a14:hiddenFill>
+            </a:ext>
+          </a:extLst>
+        </p:spPr>
+      </p:pic>
     </p:spTree>
     <p:extLst>
       <p:ext uri="{BB962C8B-B14F-4D97-AF65-F5344CB8AC3E}">
-        <p14:creationId xmlns:p14="http://schemas.microsoft.com/office/powerpoint/2010/main" val="2241796342"/>
+        <p14:creationId xmlns:p14="http://schemas.microsoft.com/office/powerpoint/2010/main" val="1779642365"/>
       </p:ext>
     </p:extLst>
   </p:cSld>
@@ -15116,18 +15116,34 @@
               <a:t>	</a:t>
             </a:r>
             <a:r>
-              <a:rPr lang="en-GB" dirty="0" err="1"/>
+              <a:rPr lang="en-GB" dirty="0" err="1">
+                <a:highlight>
+                  <a:srgbClr val="FFFF00"/>
+                </a:highlight>
+              </a:rPr>
               <a:t>conda</a:t>
             </a:r>
             <a:r>
-              <a:rPr lang="en-GB" dirty="0"/>
+              <a:rPr lang="en-GB" dirty="0">
+                <a:highlight>
+                  <a:srgbClr val="FFFF00"/>
+                </a:highlight>
+              </a:rPr>
               <a:t> activate </a:t>
             </a:r>
             <a:r>
-              <a:rPr lang="en-GB" dirty="0" err="1"/>
+              <a:rPr lang="en-GB" dirty="0" err="1">
+                <a:highlight>
+                  <a:srgbClr val="FFFF00"/>
+                </a:highlight>
+              </a:rPr>
               <a:t>unicyclerENV</a:t>
             </a:r>
-            <a:endParaRPr lang="en-GB" dirty="0"/>
+            <a:endParaRPr lang="en-GB" dirty="0">
+              <a:highlight>
+                <a:srgbClr val="FFFF00"/>
+              </a:highlight>
+            </a:endParaRPr>
           </a:p>
           <a:p>
             <a:pPr lvl="1"/>
@@ -16372,6 +16388,53 @@
           </a:p>
         </p:txBody>
       </p:sp>
+      <p:sp>
+        <p:nvSpPr>
+          <p:cNvPr id="5" name="Rectangle 4">
+            <a:extLst>
+              <a:ext uri="{FF2B5EF4-FFF2-40B4-BE49-F238E27FC236}">
+                <a16:creationId xmlns:a16="http://schemas.microsoft.com/office/drawing/2014/main" id="{5947F9E1-ED8F-4DB3-84F0-8318192A55B6}"/>
+              </a:ext>
+            </a:extLst>
+          </p:cNvPr>
+          <p:cNvSpPr/>
+          <p:nvPr/>
+        </p:nvSpPr>
+        <p:spPr>
+          <a:xfrm>
+            <a:off x="146181" y="2175450"/>
+            <a:ext cx="3984385" cy="2480633"/>
+          </a:xfrm>
+          <a:prstGeom prst="rect">
+            <a:avLst/>
+          </a:prstGeom>
+          <a:noFill/>
+        </p:spPr>
+        <p:style>
+          <a:lnRef idx="2">
+            <a:schemeClr val="accent1">
+              <a:shade val="50000"/>
+            </a:schemeClr>
+          </a:lnRef>
+          <a:fillRef idx="1">
+            <a:schemeClr val="accent1"/>
+          </a:fillRef>
+          <a:effectRef idx="0">
+            <a:schemeClr val="accent1"/>
+          </a:effectRef>
+          <a:fontRef idx="minor">
+            <a:schemeClr val="lt1"/>
+          </a:fontRef>
+        </p:style>
+        <p:txBody>
+          <a:bodyPr rtlCol="0" anchor="ctr"/>
+          <a:lstStyle/>
+          <a:p>
+            <a:pPr algn="ctr"/>
+            <a:endParaRPr lang="en-GB" dirty="0"/>
+          </a:p>
+        </p:txBody>
+      </p:sp>
     </p:spTree>
     <p:extLst>
       <p:ext uri="{BB962C8B-B14F-4D97-AF65-F5344CB8AC3E}">
@@ -18757,7 +18820,14 @@
             </a:r>
           </a:p>
           <a:p>
-            <a:endParaRPr lang="en-GB" dirty="0"/>
+            <a:r>
+              <a:rPr lang="en-GB" dirty="0" err="1"/>
+              <a:t>Gff</a:t>
+            </a:r>
+            <a:r>
+              <a:rPr lang="en-GB" dirty="0"/>
+              <a:t> is a genome feature file. </a:t>
+            </a:r>
           </a:p>
         </p:txBody>
       </p:sp>
@@ -18864,7 +18934,7 @@
           <a:p>
             <a:r>
               <a:rPr lang="en-GB" dirty="0"/>
-              <a:t>Why draw the genes on the genome? – well, you can get a visual representation of where you genes of interest are. The direction of coding. Any clusters. </a:t>
+              <a:t>Why draw the genes on the genome? – well, you can get a visual representation of where you genes of interest are. The direction of coding. Any clusters? Operons?</a:t>
             </a:r>
           </a:p>
           <a:p>
@@ -19782,26 +19852,7 @@
                   <a:srgbClr val="7030A0"/>
                 </a:solidFill>
               </a:rPr>
-              <a:t> output: Draw it!! (</a:t>
-            </a:r>
-            <a:r>
-              <a:rPr lang="en-GB" dirty="0">
-                <a:solidFill>
-                  <a:srgbClr val="7030A0"/>
-                </a:solidFill>
-                <a:highlight>
-                  <a:srgbClr val="FFFF00"/>
-                </a:highlight>
-              </a:rPr>
-              <a:t>if we have time</a:t>
-            </a:r>
-            <a:r>
-              <a:rPr lang="en-GB" dirty="0">
-                <a:solidFill>
-                  <a:srgbClr val="7030A0"/>
-                </a:solidFill>
-              </a:rPr>
-              <a:t>)</a:t>
+              <a:t> output: Draw it!!</a:t>
             </a:r>
           </a:p>
         </p:txBody>
@@ -21209,7 +21260,7 @@
                   <a:srgbClr val="002060"/>
                 </a:solidFill>
               </a:rPr>
-              <a:t>We will take a snippet of this assembly and compare this to a public database of all known nucleotide sequences (GenBank </a:t>
+              <a:t>We will take a snippet (to save time) of this assembly and compare this to a public database of all known nucleotide sequences (GenBank </a:t>
             </a:r>
             <a:r>
               <a:rPr lang="en-GB" dirty="0" err="1">
@@ -21246,10 +21297,9 @@
               <a:t>blastn</a:t>
             </a:r>
             <a:r>
-              <a:rPr lang="en-GB"/>
+              <a:rPr lang="en-GB" dirty="0"/>
               <a:t>))</a:t>
             </a:r>
-            <a:endParaRPr lang="en-GB" dirty="0"/>
           </a:p>
           <a:p>
             <a:endParaRPr lang="en-GB" dirty="0"/>
@@ -24846,10 +24896,10 @@
               <a:buNone/>
             </a:pPr>
             <a:r>
-              <a:rPr lang="en-GB" sz="2400" dirty="0"/>
+              <a:rPr lang="en-GB" sz="2400" b="1" u="sng" dirty="0"/>
               <a:t>Have a look at the results  …. What did you assemble?</a:t>
             </a:r>
-            <a:endParaRPr lang="en-GB" dirty="0"/>
+            <a:endParaRPr lang="en-GB" b="1" u="sng" dirty="0"/>
           </a:p>
         </p:txBody>
       </p:sp>
@@ -25025,7 +25075,7 @@
           <a:p>
             <a:r>
               <a:rPr lang="en-US" dirty="0"/>
-              <a:t>However, this does work for what we want</a:t>
+              <a:t>However, BLAST does work for what we want</a:t>
             </a:r>
             <a:endParaRPr lang="en-GB" dirty="0"/>
           </a:p>
@@ -25427,7 +25477,7 @@
         </p:nvSpPr>
         <p:spPr>
           <a:xfrm>
-            <a:off x="371474" y="1253331"/>
+            <a:off x="185737" y="986631"/>
             <a:ext cx="11490326" cy="1781970"/>
           </a:xfrm>
         </p:spPr>
@@ -27823,7 +27873,15 @@
           <a:p>
             <a:r>
               <a:rPr lang="en-GB" dirty="0"/>
-              <a:t>Original genome		million of fragments - Illumina		complex jigsaw puzzle</a:t>
+              <a:t>Original genome		million of fragments - Illumina		</a:t>
+            </a:r>
+            <a:r>
+              <a:rPr lang="en-GB" dirty="0">
+                <a:highlight>
+                  <a:srgbClr val="FFFF00"/>
+                </a:highlight>
+              </a:rPr>
+              <a:t>complex jigsaw puzzle</a:t>
             </a:r>
           </a:p>
         </p:txBody>
@@ -28022,6 +28080,100 @@
           </a:fontRef>
         </p:style>
       </p:cxnSp>
+      <p:sp>
+        <p:nvSpPr>
+          <p:cNvPr id="76" name="Oval 75">
+            <a:extLst>
+              <a:ext uri="{FF2B5EF4-FFF2-40B4-BE49-F238E27FC236}">
+                <a16:creationId xmlns:a16="http://schemas.microsoft.com/office/drawing/2014/main" id="{7A565130-6C44-4A76-BC3D-44C1BFB01189}"/>
+              </a:ext>
+            </a:extLst>
+          </p:cNvPr>
+          <p:cNvSpPr/>
+          <p:nvPr/>
+        </p:nvSpPr>
+        <p:spPr>
+          <a:xfrm>
+            <a:off x="212724" y="5193268"/>
+            <a:ext cx="317500" cy="279400"/>
+          </a:xfrm>
+          <a:prstGeom prst="ellipse">
+            <a:avLst/>
+          </a:prstGeom>
+          <a:noFill/>
+        </p:spPr>
+        <p:style>
+          <a:lnRef idx="2">
+            <a:schemeClr val="accent1">
+              <a:shade val="50000"/>
+            </a:schemeClr>
+          </a:lnRef>
+          <a:fillRef idx="1">
+            <a:schemeClr val="accent1"/>
+          </a:fillRef>
+          <a:effectRef idx="0">
+            <a:schemeClr val="accent1"/>
+          </a:effectRef>
+          <a:fontRef idx="minor">
+            <a:schemeClr val="lt1"/>
+          </a:fontRef>
+        </p:style>
+        <p:txBody>
+          <a:bodyPr rtlCol="0" anchor="ctr"/>
+          <a:lstStyle/>
+          <a:p>
+            <a:pPr algn="ctr"/>
+            <a:endParaRPr lang="en-GB" dirty="0"/>
+          </a:p>
+        </p:txBody>
+      </p:sp>
+      <p:sp>
+        <p:nvSpPr>
+          <p:cNvPr id="78" name="Oval 77">
+            <a:extLst>
+              <a:ext uri="{FF2B5EF4-FFF2-40B4-BE49-F238E27FC236}">
+                <a16:creationId xmlns:a16="http://schemas.microsoft.com/office/drawing/2014/main" id="{67558AB8-39C8-437D-ACDF-76CAED0DEE8F}"/>
+              </a:ext>
+            </a:extLst>
+          </p:cNvPr>
+          <p:cNvSpPr/>
+          <p:nvPr/>
+        </p:nvSpPr>
+        <p:spPr>
+          <a:xfrm>
+            <a:off x="732984" y="5293118"/>
+            <a:ext cx="317500" cy="279400"/>
+          </a:xfrm>
+          <a:prstGeom prst="ellipse">
+            <a:avLst/>
+          </a:prstGeom>
+          <a:noFill/>
+        </p:spPr>
+        <p:style>
+          <a:lnRef idx="2">
+            <a:schemeClr val="accent1">
+              <a:shade val="50000"/>
+            </a:schemeClr>
+          </a:lnRef>
+          <a:fillRef idx="1">
+            <a:schemeClr val="accent1"/>
+          </a:fillRef>
+          <a:effectRef idx="0">
+            <a:schemeClr val="accent1"/>
+          </a:effectRef>
+          <a:fontRef idx="minor">
+            <a:schemeClr val="lt1"/>
+          </a:fontRef>
+        </p:style>
+        <p:txBody>
+          <a:bodyPr rtlCol="0" anchor="ctr"/>
+          <a:lstStyle/>
+          <a:p>
+            <a:pPr algn="ctr"/>
+            <a:endParaRPr lang="en-GB" dirty="0"/>
+          </a:p>
+        </p:txBody>
+      </p:sp>
     </p:spTree>
     <p:extLst>
       <p:ext uri="{BB962C8B-B14F-4D97-AF65-F5344CB8AC3E}">
@@ -29617,7 +29769,7 @@
         <p:spPr>
           <a:xfrm>
             <a:off x="404389" y="1913893"/>
-            <a:ext cx="10655558" cy="3416320"/>
+            <a:ext cx="11093928" cy="3416320"/>
           </a:xfrm>
           <a:prstGeom prst="rect">
             <a:avLst/>
@@ -29666,7 +29818,7 @@
                   <a:srgbClr val="FF0000"/>
                 </a:solidFill>
               </a:rPr>
-              <a:t>(unique read name)</a:t>
+              <a:t>(unique read name)/1 (mean left read</a:t>
             </a:r>
           </a:p>
           <a:p>
@@ -29758,6 +29910,53 @@
                 <a:srgbClr val="FF0000"/>
               </a:solidFill>
             </a:endParaRPr>
+          </a:p>
+        </p:txBody>
+      </p:sp>
+      <p:sp>
+        <p:nvSpPr>
+          <p:cNvPr id="7" name="Rectangle 6">
+            <a:extLst>
+              <a:ext uri="{FF2B5EF4-FFF2-40B4-BE49-F238E27FC236}">
+                <a16:creationId xmlns:a16="http://schemas.microsoft.com/office/drawing/2014/main" id="{25AE7B7C-9C4D-4ABB-891E-509E4C265AB6}"/>
+              </a:ext>
+            </a:extLst>
+          </p:cNvPr>
+          <p:cNvSpPr/>
+          <p:nvPr/>
+        </p:nvSpPr>
+        <p:spPr>
+          <a:xfrm>
+            <a:off x="872360" y="2406869"/>
+            <a:ext cx="6600495" cy="1492469"/>
+          </a:xfrm>
+          <a:prstGeom prst="rect">
+            <a:avLst/>
+          </a:prstGeom>
+          <a:noFill/>
+        </p:spPr>
+        <p:style>
+          <a:lnRef idx="2">
+            <a:schemeClr val="accent1">
+              <a:shade val="50000"/>
+            </a:schemeClr>
+          </a:lnRef>
+          <a:fillRef idx="1">
+            <a:schemeClr val="accent1"/>
+          </a:fillRef>
+          <a:effectRef idx="0">
+            <a:schemeClr val="accent1"/>
+          </a:effectRef>
+          <a:fontRef idx="minor">
+            <a:schemeClr val="lt1"/>
+          </a:fontRef>
+        </p:style>
+        <p:txBody>
+          <a:bodyPr rtlCol="0" anchor="ctr"/>
+          <a:lstStyle/>
+          <a:p>
+            <a:pPr algn="ctr"/>
+            <a:endParaRPr lang="en-GB" dirty="0"/>
           </a:p>
         </p:txBody>
       </p:sp>
@@ -30083,7 +30282,7 @@
           <a:lstStyle/>
           <a:p>
             <a:r>
-              <a:rPr lang="en-GB" dirty="0"/>
+              <a:rPr lang="en-GB" b="1" dirty="0"/>
               <a:t>As we move along the read the quality decreases</a:t>
             </a:r>
           </a:p>

--- a/powerpoint/6_assembly.pptx
+++ b/powerpoint/6_assembly.pptx
@@ -15292,8 +15292,8 @@
         </p:nvSpPr>
         <p:spPr>
           <a:xfrm>
-            <a:off x="52747" y="1253331"/>
-            <a:ext cx="7686675" cy="4351338"/>
+            <a:off x="52747" y="1253330"/>
+            <a:ext cx="8408081" cy="5210531"/>
           </a:xfrm>
         </p:spPr>
         <p:txBody>
@@ -15346,11 +15346,29 @@
             </a:r>
             <a:r>
               <a:rPr lang="en-GB" dirty="0"/>
-              <a:t> too many unique, not enough connections. </a:t>
+              <a:t> too many unique, not enough connections</a:t>
+            </a:r>
+            <a:r>
+              <a:rPr lang="en-GB"/>
+              <a:t>. </a:t>
             </a:r>
           </a:p>
           <a:p>
             <a:endParaRPr lang="en-GB" dirty="0"/>
+          </a:p>
+          <a:p>
+            <a:r>
+              <a:rPr lang="en-GB" dirty="0"/>
+              <a:t>Open: </a:t>
+            </a:r>
+            <a:r>
+              <a:rPr lang="en-GB" dirty="0">
+                <a:solidFill>
+                  <a:srgbClr val="FF0000"/>
+                </a:solidFill>
+              </a:rPr>
+              <a:t>Kmers_and_graphs.pptx </a:t>
+            </a:r>
           </a:p>
         </p:txBody>
       </p:sp>

--- a/powerpoint/6_assembly.pptx
+++ b/powerpoint/6_assembly.pptx
@@ -299,7 +299,7 @@
           <a:p>
             <a:fld id="{D5B3EF36-47C2-4AA3-A387-F39AC0889363}" type="datetimeFigureOut">
               <a:rPr lang="en-GB" smtClean="0"/>
-              <a:t>10/03/2021</a:t>
+              <a:t>16/03/2021</a:t>
             </a:fld>
             <a:endParaRPr lang="en-GB"/>
           </a:p>
@@ -499,7 +499,7 @@
           <a:p>
             <a:fld id="{D5B3EF36-47C2-4AA3-A387-F39AC0889363}" type="datetimeFigureOut">
               <a:rPr lang="en-GB" smtClean="0"/>
-              <a:t>10/03/2021</a:t>
+              <a:t>16/03/2021</a:t>
             </a:fld>
             <a:endParaRPr lang="en-GB"/>
           </a:p>
@@ -709,7 +709,7 @@
           <a:p>
             <a:fld id="{D5B3EF36-47C2-4AA3-A387-F39AC0889363}" type="datetimeFigureOut">
               <a:rPr lang="en-GB" smtClean="0"/>
-              <a:t>10/03/2021</a:t>
+              <a:t>16/03/2021</a:t>
             </a:fld>
             <a:endParaRPr lang="en-GB"/>
           </a:p>
@@ -909,7 +909,7 @@
           <a:p>
             <a:fld id="{D5B3EF36-47C2-4AA3-A387-F39AC0889363}" type="datetimeFigureOut">
               <a:rPr lang="en-GB" smtClean="0"/>
-              <a:t>10/03/2021</a:t>
+              <a:t>16/03/2021</a:t>
             </a:fld>
             <a:endParaRPr lang="en-GB"/>
           </a:p>
@@ -1185,7 +1185,7 @@
           <a:p>
             <a:fld id="{D5B3EF36-47C2-4AA3-A387-F39AC0889363}" type="datetimeFigureOut">
               <a:rPr lang="en-GB" smtClean="0"/>
-              <a:t>10/03/2021</a:t>
+              <a:t>16/03/2021</a:t>
             </a:fld>
             <a:endParaRPr lang="en-GB"/>
           </a:p>
@@ -1453,7 +1453,7 @@
           <a:p>
             <a:fld id="{D5B3EF36-47C2-4AA3-A387-F39AC0889363}" type="datetimeFigureOut">
               <a:rPr lang="en-GB" smtClean="0"/>
-              <a:t>10/03/2021</a:t>
+              <a:t>16/03/2021</a:t>
             </a:fld>
             <a:endParaRPr lang="en-GB"/>
           </a:p>
@@ -1868,7 +1868,7 @@
           <a:p>
             <a:fld id="{D5B3EF36-47C2-4AA3-A387-F39AC0889363}" type="datetimeFigureOut">
               <a:rPr lang="en-GB" smtClean="0"/>
-              <a:t>10/03/2021</a:t>
+              <a:t>16/03/2021</a:t>
             </a:fld>
             <a:endParaRPr lang="en-GB"/>
           </a:p>
@@ -2010,7 +2010,7 @@
           <a:p>
             <a:fld id="{D5B3EF36-47C2-4AA3-A387-F39AC0889363}" type="datetimeFigureOut">
               <a:rPr lang="en-GB" smtClean="0"/>
-              <a:t>10/03/2021</a:t>
+              <a:t>16/03/2021</a:t>
             </a:fld>
             <a:endParaRPr lang="en-GB"/>
           </a:p>
@@ -2123,7 +2123,7 @@
           <a:p>
             <a:fld id="{D5B3EF36-47C2-4AA3-A387-F39AC0889363}" type="datetimeFigureOut">
               <a:rPr lang="en-GB" smtClean="0"/>
-              <a:t>10/03/2021</a:t>
+              <a:t>16/03/2021</a:t>
             </a:fld>
             <a:endParaRPr lang="en-GB"/>
           </a:p>
@@ -2436,7 +2436,7 @@
           <a:p>
             <a:fld id="{D5B3EF36-47C2-4AA3-A387-F39AC0889363}" type="datetimeFigureOut">
               <a:rPr lang="en-GB" smtClean="0"/>
-              <a:t>10/03/2021</a:t>
+              <a:t>16/03/2021</a:t>
             </a:fld>
             <a:endParaRPr lang="en-GB"/>
           </a:p>
@@ -2725,7 +2725,7 @@
           <a:p>
             <a:fld id="{D5B3EF36-47C2-4AA3-A387-F39AC0889363}" type="datetimeFigureOut">
               <a:rPr lang="en-GB" smtClean="0"/>
-              <a:t>10/03/2021</a:t>
+              <a:t>16/03/2021</a:t>
             </a:fld>
             <a:endParaRPr lang="en-GB"/>
           </a:p>
@@ -2968,7 +2968,7 @@
           <a:p>
             <a:fld id="{D5B3EF36-47C2-4AA3-A387-F39AC0889363}" type="datetimeFigureOut">
               <a:rPr lang="en-GB" smtClean="0"/>
-              <a:t>10/03/2021</a:t>
+              <a:t>16/03/2021</a:t>
             </a:fld>
             <a:endParaRPr lang="en-GB"/>
           </a:p>
@@ -5439,7 +5439,7 @@
                   <a:srgbClr val="0070C0"/>
                 </a:solidFill>
               </a:rPr>
-              <a:t> trimmmomatic.sh</a:t>
+              <a:t> trimmomatic.sh</a:t>
             </a:r>
           </a:p>
           <a:p>
@@ -12029,7 +12029,15 @@
           <a:p>
             <a:r>
               <a:rPr lang="en-GB" dirty="0"/>
-              <a:t>See what happened if you run k at 18, 127, 53</a:t>
+              <a:t>See what happened if you run k </a:t>
+            </a:r>
+            <a:r>
+              <a:rPr lang="en-GB"/>
+              <a:t>at 17, </a:t>
+            </a:r>
+            <a:r>
+              <a:rPr lang="en-GB" dirty="0"/>
+              <a:t>127, 53</a:t>
             </a:r>
           </a:p>
           <a:p>

--- a/powerpoint/6_assembly.pptx
+++ b/powerpoint/6_assembly.pptx
@@ -299,7 +299,7 @@
           <a:p>
             <a:fld id="{D5B3EF36-47C2-4AA3-A387-F39AC0889363}" type="datetimeFigureOut">
               <a:rPr lang="en-GB" smtClean="0"/>
-              <a:t>16/03/2021</a:t>
+              <a:t>18/03/2021</a:t>
             </a:fld>
             <a:endParaRPr lang="en-GB"/>
           </a:p>
@@ -499,7 +499,7 @@
           <a:p>
             <a:fld id="{D5B3EF36-47C2-4AA3-A387-F39AC0889363}" type="datetimeFigureOut">
               <a:rPr lang="en-GB" smtClean="0"/>
-              <a:t>16/03/2021</a:t>
+              <a:t>18/03/2021</a:t>
             </a:fld>
             <a:endParaRPr lang="en-GB"/>
           </a:p>
@@ -709,7 +709,7 @@
           <a:p>
             <a:fld id="{D5B3EF36-47C2-4AA3-A387-F39AC0889363}" type="datetimeFigureOut">
               <a:rPr lang="en-GB" smtClean="0"/>
-              <a:t>16/03/2021</a:t>
+              <a:t>18/03/2021</a:t>
             </a:fld>
             <a:endParaRPr lang="en-GB"/>
           </a:p>
@@ -909,7 +909,7 @@
           <a:p>
             <a:fld id="{D5B3EF36-47C2-4AA3-A387-F39AC0889363}" type="datetimeFigureOut">
               <a:rPr lang="en-GB" smtClean="0"/>
-              <a:t>16/03/2021</a:t>
+              <a:t>18/03/2021</a:t>
             </a:fld>
             <a:endParaRPr lang="en-GB"/>
           </a:p>
@@ -1185,7 +1185,7 @@
           <a:p>
             <a:fld id="{D5B3EF36-47C2-4AA3-A387-F39AC0889363}" type="datetimeFigureOut">
               <a:rPr lang="en-GB" smtClean="0"/>
-              <a:t>16/03/2021</a:t>
+              <a:t>18/03/2021</a:t>
             </a:fld>
             <a:endParaRPr lang="en-GB"/>
           </a:p>
@@ -1453,7 +1453,7 @@
           <a:p>
             <a:fld id="{D5B3EF36-47C2-4AA3-A387-F39AC0889363}" type="datetimeFigureOut">
               <a:rPr lang="en-GB" smtClean="0"/>
-              <a:t>16/03/2021</a:t>
+              <a:t>18/03/2021</a:t>
             </a:fld>
             <a:endParaRPr lang="en-GB"/>
           </a:p>
@@ -1868,7 +1868,7 @@
           <a:p>
             <a:fld id="{D5B3EF36-47C2-4AA3-A387-F39AC0889363}" type="datetimeFigureOut">
               <a:rPr lang="en-GB" smtClean="0"/>
-              <a:t>16/03/2021</a:t>
+              <a:t>18/03/2021</a:t>
             </a:fld>
             <a:endParaRPr lang="en-GB"/>
           </a:p>
@@ -2010,7 +2010,7 @@
           <a:p>
             <a:fld id="{D5B3EF36-47C2-4AA3-A387-F39AC0889363}" type="datetimeFigureOut">
               <a:rPr lang="en-GB" smtClean="0"/>
-              <a:t>16/03/2021</a:t>
+              <a:t>18/03/2021</a:t>
             </a:fld>
             <a:endParaRPr lang="en-GB"/>
           </a:p>
@@ -2123,7 +2123,7 @@
           <a:p>
             <a:fld id="{D5B3EF36-47C2-4AA3-A387-F39AC0889363}" type="datetimeFigureOut">
               <a:rPr lang="en-GB" smtClean="0"/>
-              <a:t>16/03/2021</a:t>
+              <a:t>18/03/2021</a:t>
             </a:fld>
             <a:endParaRPr lang="en-GB"/>
           </a:p>
@@ -2436,7 +2436,7 @@
           <a:p>
             <a:fld id="{D5B3EF36-47C2-4AA3-A387-F39AC0889363}" type="datetimeFigureOut">
               <a:rPr lang="en-GB" smtClean="0"/>
-              <a:t>16/03/2021</a:t>
+              <a:t>18/03/2021</a:t>
             </a:fld>
             <a:endParaRPr lang="en-GB"/>
           </a:p>
@@ -2725,7 +2725,7 @@
           <a:p>
             <a:fld id="{D5B3EF36-47C2-4AA3-A387-F39AC0889363}" type="datetimeFigureOut">
               <a:rPr lang="en-GB" smtClean="0"/>
-              <a:t>16/03/2021</a:t>
+              <a:t>18/03/2021</a:t>
             </a:fld>
             <a:endParaRPr lang="en-GB"/>
           </a:p>
@@ -2968,7 +2968,7 @@
           <a:p>
             <a:fld id="{D5B3EF36-47C2-4AA3-A387-F39AC0889363}" type="datetimeFigureOut">
               <a:rPr lang="en-GB" smtClean="0"/>
-              <a:t>16/03/2021</a:t>
+              <a:t>18/03/2021</a:t>
             </a:fld>
             <a:endParaRPr lang="en-GB"/>
           </a:p>
@@ -15900,6 +15900,38 @@
                   <a:srgbClr val="0070C0"/>
                 </a:solidFill>
               </a:rPr>
+              <a:t> $HOME/</a:t>
+            </a:r>
+            <a:r>
+              <a:rPr lang="en-GB" sz="2000" dirty="0" err="1">
+                <a:solidFill>
+                  <a:srgbClr val="FF0000"/>
+                </a:solidFill>
+              </a:rPr>
+              <a:t>Msc_Digital_Health</a:t>
+            </a:r>
+            <a:r>
+              <a:rPr lang="en-GB" sz="2000" dirty="0">
+                <a:solidFill>
+                  <a:srgbClr val="0070C0"/>
+                </a:solidFill>
+              </a:rPr>
+              <a:t>/*/</a:t>
+            </a:r>
+            <a:r>
+              <a:rPr lang="en-GB" sz="2000" dirty="0" err="1">
+                <a:solidFill>
+                  <a:srgbClr val="0070C0"/>
+                </a:solidFill>
+              </a:rPr>
+              <a:t>assembly.fasta</a:t>
+            </a:r>
+            <a:r>
+              <a:rPr lang="en-GB" sz="2000" dirty="0">
+                <a:solidFill>
+                  <a:srgbClr val="0070C0"/>
+                </a:solidFill>
+              </a:rPr>
               <a:t>  $HOME/</a:t>
             </a:r>
             <a:r>

--- a/powerpoint/6_assembly.pptx
+++ b/powerpoint/6_assembly.pptx
@@ -299,7 +299,7 @@
           <a:p>
             <a:fld id="{D5B3EF36-47C2-4AA3-A387-F39AC0889363}" type="datetimeFigureOut">
               <a:rPr lang="en-GB" smtClean="0"/>
-              <a:t>18/03/2021</a:t>
+              <a:t>10/03/2022</a:t>
             </a:fld>
             <a:endParaRPr lang="en-GB"/>
           </a:p>
@@ -499,7 +499,7 @@
           <a:p>
             <a:fld id="{D5B3EF36-47C2-4AA3-A387-F39AC0889363}" type="datetimeFigureOut">
               <a:rPr lang="en-GB" smtClean="0"/>
-              <a:t>18/03/2021</a:t>
+              <a:t>10/03/2022</a:t>
             </a:fld>
             <a:endParaRPr lang="en-GB"/>
           </a:p>
@@ -709,7 +709,7 @@
           <a:p>
             <a:fld id="{D5B3EF36-47C2-4AA3-A387-F39AC0889363}" type="datetimeFigureOut">
               <a:rPr lang="en-GB" smtClean="0"/>
-              <a:t>18/03/2021</a:t>
+              <a:t>10/03/2022</a:t>
             </a:fld>
             <a:endParaRPr lang="en-GB"/>
           </a:p>
@@ -909,7 +909,7 @@
           <a:p>
             <a:fld id="{D5B3EF36-47C2-4AA3-A387-F39AC0889363}" type="datetimeFigureOut">
               <a:rPr lang="en-GB" smtClean="0"/>
-              <a:t>18/03/2021</a:t>
+              <a:t>10/03/2022</a:t>
             </a:fld>
             <a:endParaRPr lang="en-GB"/>
           </a:p>
@@ -1185,7 +1185,7 @@
           <a:p>
             <a:fld id="{D5B3EF36-47C2-4AA3-A387-F39AC0889363}" type="datetimeFigureOut">
               <a:rPr lang="en-GB" smtClean="0"/>
-              <a:t>18/03/2021</a:t>
+              <a:t>10/03/2022</a:t>
             </a:fld>
             <a:endParaRPr lang="en-GB"/>
           </a:p>
@@ -1453,7 +1453,7 @@
           <a:p>
             <a:fld id="{D5B3EF36-47C2-4AA3-A387-F39AC0889363}" type="datetimeFigureOut">
               <a:rPr lang="en-GB" smtClean="0"/>
-              <a:t>18/03/2021</a:t>
+              <a:t>10/03/2022</a:t>
             </a:fld>
             <a:endParaRPr lang="en-GB"/>
           </a:p>
@@ -1868,7 +1868,7 @@
           <a:p>
             <a:fld id="{D5B3EF36-47C2-4AA3-A387-F39AC0889363}" type="datetimeFigureOut">
               <a:rPr lang="en-GB" smtClean="0"/>
-              <a:t>18/03/2021</a:t>
+              <a:t>10/03/2022</a:t>
             </a:fld>
             <a:endParaRPr lang="en-GB"/>
           </a:p>
@@ -2010,7 +2010,7 @@
           <a:p>
             <a:fld id="{D5B3EF36-47C2-4AA3-A387-F39AC0889363}" type="datetimeFigureOut">
               <a:rPr lang="en-GB" smtClean="0"/>
-              <a:t>18/03/2021</a:t>
+              <a:t>10/03/2022</a:t>
             </a:fld>
             <a:endParaRPr lang="en-GB"/>
           </a:p>
@@ -2123,7 +2123,7 @@
           <a:p>
             <a:fld id="{D5B3EF36-47C2-4AA3-A387-F39AC0889363}" type="datetimeFigureOut">
               <a:rPr lang="en-GB" smtClean="0"/>
-              <a:t>18/03/2021</a:t>
+              <a:t>10/03/2022</a:t>
             </a:fld>
             <a:endParaRPr lang="en-GB"/>
           </a:p>
@@ -2436,7 +2436,7 @@
           <a:p>
             <a:fld id="{D5B3EF36-47C2-4AA3-A387-F39AC0889363}" type="datetimeFigureOut">
               <a:rPr lang="en-GB" smtClean="0"/>
-              <a:t>18/03/2021</a:t>
+              <a:t>10/03/2022</a:t>
             </a:fld>
             <a:endParaRPr lang="en-GB"/>
           </a:p>
@@ -2725,7 +2725,7 @@
           <a:p>
             <a:fld id="{D5B3EF36-47C2-4AA3-A387-F39AC0889363}" type="datetimeFigureOut">
               <a:rPr lang="en-GB" smtClean="0"/>
-              <a:t>18/03/2021</a:t>
+              <a:t>10/03/2022</a:t>
             </a:fld>
             <a:endParaRPr lang="en-GB"/>
           </a:p>
@@ -2968,7 +2968,7 @@
           <a:p>
             <a:fld id="{D5B3EF36-47C2-4AA3-A387-F39AC0889363}" type="datetimeFigureOut">
               <a:rPr lang="en-GB" smtClean="0"/>
-              <a:t>18/03/2021</a:t>
+              <a:t>10/03/2022</a:t>
             </a:fld>
             <a:endParaRPr lang="en-GB"/>
           </a:p>
@@ -5415,6 +5415,21 @@
             <a:pPr marL="0" indent="0">
               <a:buNone/>
             </a:pPr>
+            <a:r>
+              <a:rPr lang="en-GB" dirty="0">
+                <a:hlinkClick r:id="rId2"/>
+              </a:rPr>
+              <a:t>http://www.usadellab.org/cms/?page=trimmomatic</a:t>
+            </a:r>
+            <a:r>
+              <a:rPr lang="en-GB" dirty="0"/>
+              <a:t> </a:t>
+            </a:r>
+          </a:p>
+          <a:p>
+            <a:pPr marL="0" indent="0">
+              <a:buNone/>
+            </a:pPr>
             <a:endParaRPr lang="en-GB" dirty="0"/>
           </a:p>
           <a:p>
@@ -5548,7 +5563,7 @@
           <p:nvPr/>
         </p:nvPicPr>
         <p:blipFill>
-          <a:blip r:embed="rId2">
+          <a:blip r:embed="rId3">
             <a:extLst>
               <a:ext uri="{28A0092B-C50C-407E-A947-70E740481C1C}">
                 <a14:useLocalDpi xmlns:a14="http://schemas.microsoft.com/office/drawing/2010/main" val="0"/>
@@ -16365,7 +16380,15 @@
             </a:r>
             <a:r>
               <a:rPr lang="en-GB" sz="1700" dirty="0"/>
-              <a:t> thousands of these. </a:t>
+              <a:t> thousands of these.  </a:t>
+            </a:r>
+            <a:r>
+              <a:rPr lang="en-GB" sz="1700" dirty="0">
+                <a:highlight>
+                  <a:srgbClr val="FFFF00"/>
+                </a:highlight>
+              </a:rPr>
+              <a:t>How many should a bacteria have??</a:t>
             </a:r>
           </a:p>
           <a:p>
@@ -16724,6 +16747,19 @@
             <a:pPr marL="0" indent="0">
               <a:buNone/>
             </a:pPr>
+            <a:r>
+              <a:rPr lang="en-GB" dirty="0">
+                <a:highlight>
+                  <a:srgbClr val="FFFF00"/>
+                </a:highlight>
+              </a:rPr>
+              <a:t>What are genes?</a:t>
+            </a:r>
+          </a:p>
+          <a:p>
+            <a:pPr marL="0" indent="0">
+              <a:buNone/>
+            </a:pPr>
             <a:endParaRPr lang="en-GB" dirty="0">
               <a:solidFill>
                 <a:srgbClr val="0070C0"/>
@@ -18739,6 +18775,47 @@
           </a:p>
         </p:txBody>
       </p:sp>
+      <p:cxnSp>
+        <p:nvCxnSpPr>
+          <p:cNvPr id="25" name="Straight Arrow Connector 24">
+            <a:extLst>
+              <a:ext uri="{FF2B5EF4-FFF2-40B4-BE49-F238E27FC236}">
+                <a16:creationId xmlns:a16="http://schemas.microsoft.com/office/drawing/2014/main" id="{0F0804D5-8027-4DA8-866C-2739F2552167}"/>
+              </a:ext>
+            </a:extLst>
+          </p:cNvPr>
+          <p:cNvCxnSpPr>
+            <a:cxnSpLocks/>
+          </p:cNvCxnSpPr>
+          <p:nvPr/>
+        </p:nvCxnSpPr>
+        <p:spPr>
+          <a:xfrm flipV="1">
+            <a:off x="8271590" y="4953414"/>
+            <a:ext cx="404328" cy="382912"/>
+          </a:xfrm>
+          <a:prstGeom prst="straightConnector1">
+            <a:avLst/>
+          </a:prstGeom>
+          <a:ln>
+            <a:tailEnd type="triangle"/>
+          </a:ln>
+        </p:spPr>
+        <p:style>
+          <a:lnRef idx="1">
+            <a:schemeClr val="accent1"/>
+          </a:lnRef>
+          <a:fillRef idx="0">
+            <a:schemeClr val="accent1"/>
+          </a:fillRef>
+          <a:effectRef idx="0">
+            <a:schemeClr val="accent1"/>
+          </a:effectRef>
+          <a:fontRef idx="minor">
+            <a:schemeClr val="tx1"/>
+          </a:fontRef>
+        </p:style>
+      </p:cxnSp>
     </p:spTree>
     <p:extLst>
       <p:ext uri="{BB962C8B-B14F-4D97-AF65-F5344CB8AC3E}">
@@ -18833,11 +18910,13 @@
         <p:spPr>
           <a:xfrm>
             <a:off x="164869" y="1351799"/>
-            <a:ext cx="10515600" cy="4351338"/>
-          </a:xfrm>
-        </p:spPr>
-        <p:txBody>
-          <a:bodyPr/>
+            <a:ext cx="11513784" cy="4968790"/>
+          </a:xfrm>
+        </p:spPr>
+        <p:txBody>
+          <a:bodyPr>
+            <a:normAutofit lnSpcReduction="10000"/>
+          </a:bodyPr>
           <a:lstStyle/>
           <a:p>
             <a:r>
@@ -18878,14 +18957,76 @@
             </a:r>
           </a:p>
           <a:p>
+            <a:endParaRPr lang="en-GB" dirty="0"/>
+          </a:p>
+          <a:p>
             <a:r>
               <a:rPr lang="en-GB" dirty="0" err="1"/>
-              <a:t>Gff</a:t>
+              <a:t>gff</a:t>
             </a:r>
             <a:r>
               <a:rPr lang="en-GB" dirty="0"/>
               <a:t> is a genome feature file. </a:t>
             </a:r>
+          </a:p>
+          <a:p>
+            <a:r>
+              <a:rPr lang="en-GB" dirty="0" err="1"/>
+              <a:t>faa</a:t>
+            </a:r>
+            <a:r>
+              <a:rPr lang="en-GB" dirty="0"/>
+              <a:t> is the amino acid sequences of the gene. </a:t>
+            </a:r>
+            <a:r>
+              <a:rPr lang="en-GB" dirty="0" err="1"/>
+              <a:t>fna</a:t>
+            </a:r>
+            <a:r>
+              <a:rPr lang="en-GB" dirty="0"/>
+              <a:t> is the nucleotide sequence of the genes. </a:t>
+            </a:r>
+          </a:p>
+          <a:p>
+            <a:r>
+              <a:rPr lang="en-GB" dirty="0" err="1"/>
+              <a:t>gbk</a:t>
+            </a:r>
+            <a:r>
+              <a:rPr lang="en-GB" dirty="0"/>
+              <a:t> is the data in a </a:t>
+            </a:r>
+            <a:r>
+              <a:rPr lang="en-GB" dirty="0" err="1"/>
+              <a:t>genbank</a:t>
+            </a:r>
+            <a:r>
+              <a:rPr lang="en-GB" dirty="0"/>
+              <a:t> format -  which </a:t>
+            </a:r>
+            <a:r>
+              <a:rPr lang="en-GB" dirty="0" err="1"/>
+              <a:t>genbank</a:t>
+            </a:r>
+            <a:r>
+              <a:rPr lang="en-GB" dirty="0"/>
+              <a:t> </a:t>
+            </a:r>
+            <a:r>
+              <a:rPr lang="en-GB" dirty="0" err="1"/>
+              <a:t>dont</a:t>
+            </a:r>
+            <a:r>
+              <a:rPr lang="en-GB" dirty="0"/>
+              <a:t> accept as a submission file </a:t>
+            </a:r>
+            <a:r>
+              <a:rPr lang="en-GB" dirty="0">
+                <a:sym typeface="Wingdings" panose="05000000000000000000" pitchFamily="2" charset="2"/>
+              </a:rPr>
+              <a:t></a:t>
+            </a:r>
+            <a:endParaRPr lang="en-GB" dirty="0"/>
           </a:p>
         </p:txBody>
       </p:sp>
@@ -21122,6 +21263,41 @@
           </a:prstGeom>
         </p:spPr>
       </p:pic>
+      <p:sp>
+        <p:nvSpPr>
+          <p:cNvPr id="2" name="TextBox 1">
+            <a:extLst>
+              <a:ext uri="{FF2B5EF4-FFF2-40B4-BE49-F238E27FC236}">
+                <a16:creationId xmlns:a16="http://schemas.microsoft.com/office/drawing/2014/main" id="{F87F1D46-0CD5-435D-B295-EA219804BEB7}"/>
+              </a:ext>
+            </a:extLst>
+          </p:cNvPr>
+          <p:cNvSpPr txBox="1"/>
+          <p:nvPr/>
+        </p:nvSpPr>
+        <p:spPr>
+          <a:xfrm>
+            <a:off x="9420837" y="780176"/>
+            <a:ext cx="1988191" cy="369332"/>
+          </a:xfrm>
+          <a:prstGeom prst="rect">
+            <a:avLst/>
+          </a:prstGeom>
+          <a:noFill/>
+        </p:spPr>
+        <p:txBody>
+          <a:bodyPr wrap="square" rtlCol="0">
+            <a:spAutoFit/>
+          </a:bodyPr>
+          <a:lstStyle/>
+          <a:p>
+            <a:r>
+              <a:rPr lang="en-GB" dirty="0"/>
+              <a:t>Circular version</a:t>
+            </a:r>
+          </a:p>
+        </p:txBody>
+      </p:sp>
     </p:spTree>
     <p:extLst>
       <p:ext uri="{BB962C8B-B14F-4D97-AF65-F5344CB8AC3E}">
@@ -21182,6 +21358,47 @@
           </a:prstGeom>
         </p:spPr>
       </p:pic>
+      <p:sp>
+        <p:nvSpPr>
+          <p:cNvPr id="3" name="TextBox 2">
+            <a:extLst>
+              <a:ext uri="{FF2B5EF4-FFF2-40B4-BE49-F238E27FC236}">
+                <a16:creationId xmlns:a16="http://schemas.microsoft.com/office/drawing/2014/main" id="{49E8B373-F1EE-495B-8722-AA1BF5524E85}"/>
+              </a:ext>
+            </a:extLst>
+          </p:cNvPr>
+          <p:cNvSpPr txBox="1"/>
+          <p:nvPr/>
+        </p:nvSpPr>
+        <p:spPr>
+          <a:xfrm>
+            <a:off x="10939244" y="1082180"/>
+            <a:ext cx="1988191" cy="646331"/>
+          </a:xfrm>
+          <a:prstGeom prst="rect">
+            <a:avLst/>
+          </a:prstGeom>
+          <a:noFill/>
+        </p:spPr>
+        <p:txBody>
+          <a:bodyPr wrap="square" rtlCol="0">
+            <a:spAutoFit/>
+          </a:bodyPr>
+          <a:lstStyle/>
+          <a:p>
+            <a:r>
+              <a:rPr lang="en-GB" dirty="0"/>
+              <a:t>Linear</a:t>
+            </a:r>
+          </a:p>
+          <a:p>
+            <a:r>
+              <a:rPr lang="en-GB" dirty="0"/>
+              <a:t> version</a:t>
+            </a:r>
+          </a:p>
+        </p:txBody>
+      </p:sp>
     </p:spTree>
     <p:extLst>
       <p:ext uri="{BB962C8B-B14F-4D97-AF65-F5344CB8AC3E}">
@@ -22376,18 +22593,33 @@
           <a:lstStyle/>
           <a:p>
             <a:r>
+              <a:rPr lang="en-GB" b="1" dirty="0" err="1"/>
+              <a:t>Blastn</a:t>
+            </a:r>
+            <a:r>
+              <a:rPr lang="en-GB" b="1" dirty="0"/>
+              <a:t> </a:t>
+            </a:r>
+            <a:r>
+              <a:rPr lang="en-GB" dirty="0"/>
+              <a:t> - nucleotide versus </a:t>
+            </a:r>
+            <a:r>
               <a:rPr lang="en-GB" dirty="0" err="1"/>
-              <a:t>Blastn</a:t>
+              <a:t>genbank</a:t>
             </a:r>
             <a:r>
               <a:rPr lang="en-GB" dirty="0"/>
-              <a:t>  - nucleotide versus </a:t>
+              <a:t> </a:t>
             </a:r>
             <a:r>
               <a:rPr lang="en-GB" dirty="0" err="1"/>
               <a:t>nt</a:t>
             </a:r>
-            <a:endParaRPr lang="en-GB" dirty="0"/>
+            <a:r>
+              <a:rPr lang="en-GB" dirty="0"/>
+              <a:t> (everything that was known and in the database at the time of download)</a:t>
+            </a:r>
           </a:p>
           <a:p>
             <a:pPr marL="0" indent="0">
@@ -24385,7 +24617,7 @@
             </a:pPr>
             <a:r>
               <a:rPr lang="en-GB" dirty="0" err="1"/>
-              <a:t>Outfmt</a:t>
+              <a:t>outfmt</a:t>
             </a:r>
             <a:r>
               <a:rPr lang="en-GB" dirty="0"/>
@@ -25421,10 +25653,22 @@
           <a:p>
             <a:pPr lvl="0"/>
             <a:r>
+              <a:rPr lang="en-GB" sz="1900" b="1" dirty="0"/>
+              <a:t>Essential reading</a:t>
+            </a:r>
+            <a:r>
+              <a:rPr lang="en-GB" sz="1900" dirty="0"/>
+              <a:t>: </a:t>
+            </a:r>
+            <a:r>
               <a:rPr lang="en-GB" sz="1900" u="sng" dirty="0">
                 <a:hlinkClick r:id="rId12"/>
               </a:rPr>
               <a:t>https://github.com/rrwick/Unicycler</a:t>
+            </a:r>
+            <a:r>
+              <a:rPr lang="en-GB" sz="1900" u="sng" dirty="0"/>
+              <a:t>  </a:t>
             </a:r>
             <a:endParaRPr lang="en-GB" sz="1900" dirty="0"/>
           </a:p>

--- a/powerpoint/6_assembly.pptx
+++ b/powerpoint/6_assembly.pptx
@@ -299,7 +299,7 @@
           <a:p>
             <a:fld id="{D5B3EF36-47C2-4AA3-A387-F39AC0889363}" type="datetimeFigureOut">
               <a:rPr lang="en-GB" smtClean="0"/>
-              <a:t>10/03/2022</a:t>
+              <a:t>13/03/2023</a:t>
             </a:fld>
             <a:endParaRPr lang="en-GB"/>
           </a:p>
@@ -499,7 +499,7 @@
           <a:p>
             <a:fld id="{D5B3EF36-47C2-4AA3-A387-F39AC0889363}" type="datetimeFigureOut">
               <a:rPr lang="en-GB" smtClean="0"/>
-              <a:t>10/03/2022</a:t>
+              <a:t>13/03/2023</a:t>
             </a:fld>
             <a:endParaRPr lang="en-GB"/>
           </a:p>
@@ -709,7 +709,7 @@
           <a:p>
             <a:fld id="{D5B3EF36-47C2-4AA3-A387-F39AC0889363}" type="datetimeFigureOut">
               <a:rPr lang="en-GB" smtClean="0"/>
-              <a:t>10/03/2022</a:t>
+              <a:t>13/03/2023</a:t>
             </a:fld>
             <a:endParaRPr lang="en-GB"/>
           </a:p>
@@ -909,7 +909,7 @@
           <a:p>
             <a:fld id="{D5B3EF36-47C2-4AA3-A387-F39AC0889363}" type="datetimeFigureOut">
               <a:rPr lang="en-GB" smtClean="0"/>
-              <a:t>10/03/2022</a:t>
+              <a:t>13/03/2023</a:t>
             </a:fld>
             <a:endParaRPr lang="en-GB"/>
           </a:p>
@@ -1185,7 +1185,7 @@
           <a:p>
             <a:fld id="{D5B3EF36-47C2-4AA3-A387-F39AC0889363}" type="datetimeFigureOut">
               <a:rPr lang="en-GB" smtClean="0"/>
-              <a:t>10/03/2022</a:t>
+              <a:t>13/03/2023</a:t>
             </a:fld>
             <a:endParaRPr lang="en-GB"/>
           </a:p>
@@ -1453,7 +1453,7 @@
           <a:p>
             <a:fld id="{D5B3EF36-47C2-4AA3-A387-F39AC0889363}" type="datetimeFigureOut">
               <a:rPr lang="en-GB" smtClean="0"/>
-              <a:t>10/03/2022</a:t>
+              <a:t>13/03/2023</a:t>
             </a:fld>
             <a:endParaRPr lang="en-GB"/>
           </a:p>
@@ -1868,7 +1868,7 @@
           <a:p>
             <a:fld id="{D5B3EF36-47C2-4AA3-A387-F39AC0889363}" type="datetimeFigureOut">
               <a:rPr lang="en-GB" smtClean="0"/>
-              <a:t>10/03/2022</a:t>
+              <a:t>13/03/2023</a:t>
             </a:fld>
             <a:endParaRPr lang="en-GB"/>
           </a:p>
@@ -2010,7 +2010,7 @@
           <a:p>
             <a:fld id="{D5B3EF36-47C2-4AA3-A387-F39AC0889363}" type="datetimeFigureOut">
               <a:rPr lang="en-GB" smtClean="0"/>
-              <a:t>10/03/2022</a:t>
+              <a:t>13/03/2023</a:t>
             </a:fld>
             <a:endParaRPr lang="en-GB"/>
           </a:p>
@@ -2123,7 +2123,7 @@
           <a:p>
             <a:fld id="{D5B3EF36-47C2-4AA3-A387-F39AC0889363}" type="datetimeFigureOut">
               <a:rPr lang="en-GB" smtClean="0"/>
-              <a:t>10/03/2022</a:t>
+              <a:t>13/03/2023</a:t>
             </a:fld>
             <a:endParaRPr lang="en-GB"/>
           </a:p>
@@ -2436,7 +2436,7 @@
           <a:p>
             <a:fld id="{D5B3EF36-47C2-4AA3-A387-F39AC0889363}" type="datetimeFigureOut">
               <a:rPr lang="en-GB" smtClean="0"/>
-              <a:t>10/03/2022</a:t>
+              <a:t>13/03/2023</a:t>
             </a:fld>
             <a:endParaRPr lang="en-GB"/>
           </a:p>
@@ -2725,7 +2725,7 @@
           <a:p>
             <a:fld id="{D5B3EF36-47C2-4AA3-A387-F39AC0889363}" type="datetimeFigureOut">
               <a:rPr lang="en-GB" smtClean="0"/>
-              <a:t>10/03/2022</a:t>
+              <a:t>13/03/2023</a:t>
             </a:fld>
             <a:endParaRPr lang="en-GB"/>
           </a:p>
@@ -2968,7 +2968,7 @@
           <a:p>
             <a:fld id="{D5B3EF36-47C2-4AA3-A387-F39AC0889363}" type="datetimeFigureOut">
               <a:rPr lang="en-GB" smtClean="0"/>
-              <a:t>10/03/2022</a:t>
+              <a:t>13/03/2023</a:t>
             </a:fld>
             <a:endParaRPr lang="en-GB"/>
           </a:p>
@@ -11024,7 +11024,7 @@
                   <a:srgbClr val="0070C0"/>
                 </a:solidFill>
               </a:rPr>
-              <a:t>qsub</a:t>
+              <a:t>sbatch</a:t>
             </a:r>
             <a:r>
               <a:rPr lang="en-GB" sz="3200" dirty="0">
@@ -11032,7 +11032,7 @@
                   <a:srgbClr val="0070C0"/>
                 </a:solidFill>
               </a:rPr>
-              <a:t> -V assembly.sh</a:t>
+              <a:t> assembly.sh</a:t>
             </a:r>
           </a:p>
           <a:p>
@@ -12044,15 +12044,7 @@
           <a:p>
             <a:r>
               <a:rPr lang="en-GB" dirty="0"/>
-              <a:t>See what happened if you run k </a:t>
-            </a:r>
-            <a:r>
-              <a:rPr lang="en-GB"/>
-              <a:t>at 17, </a:t>
-            </a:r>
-            <a:r>
-              <a:rPr lang="en-GB" dirty="0"/>
-              <a:t>127, 53</a:t>
+              <a:t>See what happened if you run k at 17, 127, 53</a:t>
             </a:r>
           </a:p>
           <a:p>
@@ -12193,7 +12185,7 @@
                   <a:srgbClr val="0070C0"/>
                 </a:solidFill>
               </a:rPr>
-              <a:t>qsub</a:t>
+              <a:t>sbatch</a:t>
             </a:r>
             <a:r>
               <a:rPr lang="en-GB" sz="2000" dirty="0">
@@ -12201,7 +12193,7 @@
                   <a:srgbClr val="0070C0"/>
                 </a:solidFill>
               </a:rPr>
-              <a:t> -V assembly.sh</a:t>
+              <a:t> assembly.sh</a:t>
             </a:r>
           </a:p>
         </p:txBody>
@@ -13773,7 +13765,7 @@
                   <a:srgbClr val="0070C0"/>
                 </a:solidFill>
               </a:rPr>
-              <a:t>qsub</a:t>
+              <a:t>sbatch</a:t>
             </a:r>
             <a:r>
               <a:rPr lang="en-GB" sz="2000" dirty="0">
@@ -13781,8 +13773,21 @@
                   <a:srgbClr val="0070C0"/>
                 </a:solidFill>
               </a:rPr>
-              <a:t> -V assembly.sh</a:t>
-            </a:r>
+              <a:t> </a:t>
+            </a:r>
+            <a:r>
+              <a:rPr lang="en-GB" sz="2000" dirty="0" err="1">
+                <a:solidFill>
+                  <a:srgbClr val="0070C0"/>
+                </a:solidFill>
+              </a:rPr>
+              <a:t>assembly.sh</a:t>
+            </a:r>
+            <a:endParaRPr lang="en-GB" sz="2000" dirty="0">
+              <a:solidFill>
+                <a:srgbClr val="0070C0"/>
+              </a:solidFill>
+            </a:endParaRPr>
           </a:p>
         </p:txBody>
       </p:sp>
@@ -14964,7 +14969,7 @@
         </p:spPr>
         <p:txBody>
           <a:bodyPr>
-            <a:normAutofit fontScale="92500" lnSpcReduction="20000"/>
+            <a:normAutofit fontScale="85000" lnSpcReduction="10000"/>
           </a:bodyPr>
           <a:lstStyle/>
           <a:p>
@@ -14999,7 +15004,7 @@
                   <a:srgbClr val="FF0000"/>
                 </a:solidFill>
               </a:rPr>
-              <a:t> /storage/home/users/</a:t>
+              <a:t> /scratch/</a:t>
             </a:r>
             <a:r>
               <a:rPr lang="en-GB" dirty="0" err="1">
@@ -15007,7 +15012,7 @@
                   <a:srgbClr val="FF0000"/>
                 </a:solidFill>
               </a:rPr>
-              <a:t>Msc_Digital_Health</a:t>
+              <a:t>bioinf</a:t>
             </a:r>
             <a:r>
               <a:rPr lang="en-GB" dirty="0">
@@ -15015,7 +15020,23 @@
                   <a:srgbClr val="FF0000"/>
                 </a:solidFill>
               </a:rPr>
-              <a:t>/ ~/</a:t>
+              <a:t>/</a:t>
+            </a:r>
+            <a:r>
+              <a:rPr lang="en-GB" dirty="0" err="1">
+                <a:solidFill>
+                  <a:srgbClr val="FF0000"/>
+                </a:solidFill>
+              </a:rPr>
+              <a:t>digital_health</a:t>
+            </a:r>
+            <a:r>
+              <a:rPr lang="en-GB" dirty="0">
+                <a:solidFill>
+                  <a:srgbClr val="FF0000"/>
+                </a:solidFill>
+              </a:rPr>
+              <a:t> ~/scratch/$USER/</a:t>
             </a:r>
           </a:p>
           <a:p>
@@ -15028,7 +15049,15 @@
           <a:p>
             <a:r>
               <a:rPr lang="en-GB" dirty="0"/>
-              <a:t>Make sure you have the software ready to use (note dot space):</a:t>
+              <a:t>Make sure you have the software ready to use (or use </a:t>
+            </a:r>
+            <a:r>
+              <a:rPr lang="en-GB" dirty="0" err="1"/>
+              <a:t>conda</a:t>
+            </a:r>
+            <a:r>
+              <a:rPr lang="en-GB" dirty="0"/>
+              <a:t>):</a:t>
             </a:r>
           </a:p>
           <a:p>
@@ -15036,18 +15065,77 @@
               <a:buNone/>
             </a:pPr>
             <a:r>
-              <a:rPr lang="fr-FR" dirty="0">
+              <a:rPr lang="en-US" dirty="0">
                 <a:solidFill>
                   <a:srgbClr val="FF0000"/>
                 </a:solidFill>
               </a:rPr>
-              <a:t>. /shelf/apps/pjt6/conda/etc/profile.d/conda.sh</a:t>
-            </a:r>
-            <a:endParaRPr lang="en-US" dirty="0">
-              <a:solidFill>
-                <a:srgbClr val="FF0000"/>
-              </a:solidFill>
-            </a:endParaRPr>
+              <a:t>export PATH=/gpfs1/scratch/</a:t>
+            </a:r>
+            <a:r>
+              <a:rPr lang="en-US" dirty="0" err="1">
+                <a:solidFill>
+                  <a:srgbClr val="FF0000"/>
+                </a:solidFill>
+              </a:rPr>
+              <a:t>bioinf</a:t>
+            </a:r>
+            <a:r>
+              <a:rPr lang="en-US" dirty="0">
+                <a:solidFill>
+                  <a:srgbClr val="FF0000"/>
+                </a:solidFill>
+              </a:rPr>
+              <a:t>/BL4273/</a:t>
+            </a:r>
+            <a:r>
+              <a:rPr lang="en-US" dirty="0" err="1">
+                <a:solidFill>
+                  <a:srgbClr val="FF0000"/>
+                </a:solidFill>
+              </a:rPr>
+              <a:t>conda</a:t>
+            </a:r>
+            <a:r>
+              <a:rPr lang="en-US" dirty="0">
+                <a:solidFill>
+                  <a:srgbClr val="FF0000"/>
+                </a:solidFill>
+              </a:rPr>
+              <a:t>/</a:t>
+            </a:r>
+            <a:r>
+              <a:rPr lang="en-US" dirty="0" err="1">
+                <a:solidFill>
+                  <a:srgbClr val="FF0000"/>
+                </a:solidFill>
+              </a:rPr>
+              <a:t>envs</a:t>
+            </a:r>
+            <a:r>
+              <a:rPr lang="en-US" dirty="0">
+                <a:solidFill>
+                  <a:srgbClr val="FF0000"/>
+                </a:solidFill>
+              </a:rPr>
+              <a:t>/</a:t>
+            </a:r>
+            <a:r>
+              <a:rPr lang="en-US" dirty="0" err="1">
+                <a:solidFill>
+                  <a:srgbClr val="FF0000"/>
+                </a:solidFill>
+              </a:rPr>
+              <a:t>genome_workshop</a:t>
+            </a:r>
+            <a:r>
+              <a:rPr lang="en-US" dirty="0">
+                <a:solidFill>
+                  <a:srgbClr val="FF0000"/>
+                </a:solidFill>
+              </a:rPr>
+              <a:t>/bin/:$PATH</a:t>
+            </a:r>
           </a:p>
           <a:p>
             <a:r>
@@ -15098,7 +15186,7 @@
                   <a:srgbClr val="FF0000"/>
                 </a:solidFill>
               </a:rPr>
-              <a:t>cd $HOME/</a:t>
+              <a:t>cd $HOME/scratch/$USER/</a:t>
             </a:r>
             <a:r>
               <a:rPr lang="en-GB" dirty="0" err="1">
@@ -15106,7 +15194,7 @@
                   <a:srgbClr val="FF0000"/>
                 </a:solidFill>
               </a:rPr>
-              <a:t>Msc_Digital_Health</a:t>
+              <a:t>digital_Health</a:t>
             </a:r>
             <a:r>
               <a:rPr lang="en-GB" dirty="0">
@@ -15176,7 +15264,7 @@
                   <a:srgbClr val="FF0000"/>
                 </a:solidFill>
               </a:rPr>
-              <a:t>qsub</a:t>
+              <a:t>sbatch</a:t>
             </a:r>
             <a:r>
               <a:rPr lang="en-GB" dirty="0">
@@ -15184,7 +15272,7 @@
                   <a:srgbClr val="FF0000"/>
                 </a:solidFill>
               </a:rPr>
-              <a:t> -V unicycler.sh</a:t>
+              <a:t> unicycler.sh</a:t>
             </a:r>
           </a:p>
           <a:p>
@@ -15195,7 +15283,7 @@
                   <a:srgbClr val="FF0000"/>
                 </a:solidFill>
               </a:rPr>
-              <a:t>qsub</a:t>
+              <a:t>sbatch</a:t>
             </a:r>
             <a:r>
               <a:rPr lang="en-GB" dirty="0">
@@ -15203,7 +15291,7 @@
                   <a:srgbClr val="FF0000"/>
                 </a:solidFill>
               </a:rPr>
-              <a:t> -V spades.sh</a:t>
+              <a:t> spades.sh</a:t>
             </a:r>
             <a:endParaRPr lang="en-US" dirty="0">
               <a:solidFill>
@@ -15738,12 +15826,28 @@
               <a:t> $HOME/</a:t>
             </a:r>
             <a:r>
-              <a:rPr lang="en-GB" sz="2400" dirty="0">
+              <a:rPr lang="en-GB" sz="2200">
+                <a:solidFill>
+                  <a:srgbClr val="0070C0"/>
+                </a:solidFill>
+              </a:rPr>
+              <a:t>scratch/</a:t>
+            </a:r>
+            <a:r>
+              <a:rPr lang="en-GB" sz="2400">
                 <a:solidFill>
                   <a:srgbClr val="FF0000"/>
                 </a:solidFill>
               </a:rPr>
-              <a:t>Msc_Digital_Health</a:t>
+              <a:t>digital</a:t>
+            </a:r>
+            <a:r>
+              <a:rPr lang="en-GB" sz="2400" dirty="0" err="1">
+                <a:solidFill>
+                  <a:srgbClr val="FF0000"/>
+                </a:solidFill>
+              </a:rPr>
+              <a:t>_Health</a:t>
             </a:r>
             <a:r>
               <a:rPr lang="en-GB" sz="2200" dirty="0">
@@ -15751,7 +15855,7 @@
                   <a:srgbClr val="0070C0"/>
                 </a:solidFill>
               </a:rPr>
-              <a:t>/shell_scripts/scaffold_stats.pl -f $HOME/</a:t>
+              <a:t>/shell_scripts/scaffold_stats.pl -f $HOME/scratch/</a:t>
             </a:r>
             <a:r>
               <a:rPr lang="en-GB" sz="2000" dirty="0" err="1">
@@ -15759,7 +15863,7 @@
                   <a:srgbClr val="FF0000"/>
                 </a:solidFill>
               </a:rPr>
-              <a:t>Msc_Digital_Health</a:t>
+              <a:t>digital_Health</a:t>
             </a:r>
             <a:r>
               <a:rPr lang="en-GB" sz="2200" dirty="0">
@@ -15867,10 +15971,10 @@
                   <a:srgbClr val="0070C0"/>
                 </a:solidFill>
               </a:rPr>
-              <a:t> $HOME/</a:t>
-            </a:r>
-            <a:r>
-              <a:rPr lang="en-GB" sz="2000" dirty="0">
+              <a:t> $HOME/scratch/</a:t>
+            </a:r>
+            <a:r>
+              <a:rPr lang="en-GB" sz="2000" dirty="0" err="1">
                 <a:solidFill>
                   <a:srgbClr val="FF0000"/>
                 </a:solidFill>
@@ -29687,7 +29791,7 @@
                   <a:srgbClr val="0070C0"/>
                 </a:solidFill>
               </a:rPr>
-              <a:t>qsub</a:t>
+              <a:t>sbatch</a:t>
             </a:r>
             <a:r>
               <a:rPr lang="en-GB" dirty="0">
